--- a/ppt/Chart_js.pptx
+++ b/ppt/Chart_js.pptx
@@ -5,12 +5,20 @@
     <p:sldMasterId id="2147483686" r:id="rId1"/>
   </p:sldMasterIdLst>
   <p:notesMasterIdLst>
-    <p:notesMasterId r:id="rId5"/>
+    <p:notesMasterId r:id="rId13"/>
   </p:notesMasterIdLst>
   <p:sldIdLst>
     <p:sldId id="256" r:id="rId2"/>
     <p:sldId id="257" r:id="rId3"/>
-    <p:sldId id="258" r:id="rId4"/>
+    <p:sldId id="259" r:id="rId4"/>
+    <p:sldId id="260" r:id="rId5"/>
+    <p:sldId id="258" r:id="rId6"/>
+    <p:sldId id="261" r:id="rId7"/>
+    <p:sldId id="262" r:id="rId8"/>
+    <p:sldId id="263" r:id="rId9"/>
+    <p:sldId id="264" r:id="rId10"/>
+    <p:sldId id="265" r:id="rId11"/>
+    <p:sldId id="266" r:id="rId12"/>
   </p:sldIdLst>
   <p:sldSz cx="12192000" cy="6858000"/>
   <p:notesSz cx="6858000" cy="9144000"/>
@@ -514,21 +522,15 @@
               <a:rPr lang="en-US" dirty="0">
                 <a:hlinkClick r:id="rId3"/>
               </a:rPr>
-              <a:t>Markets Today — Quotes, Charts, and Events — </a:t>
-            </a:r>
-            <a:r>
-              <a:rPr lang="en-US" dirty="0" err="1">
-                <a:hlinkClick r:id="rId3"/>
-              </a:rPr>
-              <a:t>TradingView</a:t>
+              <a:t>Markets Today — Quotes, Charts, and Events — TradingView</a:t>
             </a:r>
             <a:br>
-              <a:rPr lang="en-US"/>
+              <a:rPr lang="en-US" dirty="0"/>
             </a:br>
             <a:br>
-              <a:rPr lang="en-US"/>
+              <a:rPr lang="en-US" dirty="0"/>
             </a:br>
-            <a:endParaRPr lang="en-US"/>
+            <a:endParaRPr lang="en-US" dirty="0"/>
           </a:p>
         </p:txBody>
       </p:sp>
@@ -549,7 +551,7 @@
           <a:p>
             <a:fld id="{BC3303A0-9640-4A5B-9B5F-B7084755C96F}" type="slidenum">
               <a:rPr lang="en-US" smtClean="0"/>
-              <a:t>3</a:t>
+              <a:t>5</a:t>
             </a:fld>
             <a:endParaRPr lang="en-US"/>
           </a:p>
@@ -559,6 +561,96 @@
     <p:extLst>
       <p:ext uri="{BB962C8B-B14F-4D97-AF65-F5344CB8AC3E}">
         <p14:creationId xmlns:p14="http://schemas.microsoft.com/office/powerpoint/2010/main" val="144369149"/>
+      </p:ext>
+    </p:extLst>
+  </p:cSld>
+  <p:clrMapOvr>
+    <a:masterClrMapping/>
+  </p:clrMapOvr>
+</p:notes>
+</file>
+
+<file path=ppt/notesSlides/notesSlide2.xml><?xml version="1.0" encoding="utf-8"?>
+<p:notes xmlns:a="http://schemas.openxmlformats.org/drawingml/2006/main" xmlns:r="http://schemas.openxmlformats.org/officeDocument/2006/relationships" xmlns:p="http://schemas.openxmlformats.org/presentationml/2006/main">
+  <p:cSld>
+    <p:spTree>
+      <p:nvGrpSpPr>
+        <p:cNvPr id="1" name=""/>
+        <p:cNvGrpSpPr/>
+        <p:nvPr/>
+      </p:nvGrpSpPr>
+      <p:grpSpPr>
+        <a:xfrm>
+          <a:off x="0" y="0"/>
+          <a:ext cx="0" cy="0"/>
+          <a:chOff x="0" y="0"/>
+          <a:chExt cx="0" cy="0"/>
+        </a:xfrm>
+      </p:grpSpPr>
+      <p:sp>
+        <p:nvSpPr>
+          <p:cNvPr id="2" name="Slide Image Placeholder 1"/>
+          <p:cNvSpPr>
+            <a:spLocks noGrp="1" noRot="1" noChangeAspect="1"/>
+          </p:cNvSpPr>
+          <p:nvPr>
+            <p:ph type="sldImg"/>
+          </p:nvPr>
+        </p:nvSpPr>
+        <p:spPr/>
+      </p:sp>
+      <p:sp>
+        <p:nvSpPr>
+          <p:cNvPr id="3" name="Notes Placeholder 2"/>
+          <p:cNvSpPr>
+            <a:spLocks noGrp="1"/>
+          </p:cNvSpPr>
+          <p:nvPr>
+            <p:ph type="body" idx="1"/>
+          </p:nvPr>
+        </p:nvSpPr>
+        <p:spPr/>
+        <p:txBody>
+          <a:bodyPr/>
+          <a:lstStyle/>
+          <a:p>
+            <a:r>
+              <a:rPr lang="en-US">
+                <a:hlinkClick r:id="rId3"/>
+              </a:rPr>
+              <a:t>Top 50 Earnings</a:t>
+            </a:r>
+            <a:endParaRPr lang="en-US"/>
+          </a:p>
+        </p:txBody>
+      </p:sp>
+      <p:sp>
+        <p:nvSpPr>
+          <p:cNvPr id="4" name="Slide Number Placeholder 3"/>
+          <p:cNvSpPr>
+            <a:spLocks noGrp="1"/>
+          </p:cNvSpPr>
+          <p:nvPr>
+            <p:ph type="sldNum" sz="quarter" idx="5"/>
+          </p:nvPr>
+        </p:nvSpPr>
+        <p:spPr/>
+        <p:txBody>
+          <a:bodyPr/>
+          <a:lstStyle/>
+          <a:p>
+            <a:fld id="{BC3303A0-9640-4A5B-9B5F-B7084755C96F}" type="slidenum">
+              <a:rPr lang="en-US" smtClean="0"/>
+              <a:t>11</a:t>
+            </a:fld>
+            <a:endParaRPr lang="en-US"/>
+          </a:p>
+        </p:txBody>
+      </p:sp>
+    </p:spTree>
+    <p:extLst>
+      <p:ext uri="{BB962C8B-B14F-4D97-AF65-F5344CB8AC3E}">
+        <p14:creationId xmlns:p14="http://schemas.microsoft.com/office/powerpoint/2010/main" val="3064800204"/>
       </p:ext>
     </p:extLst>
   </p:cSld>
@@ -3915,12 +4007,12 @@
           <a:chExt cx="0" cy="0"/>
         </a:xfrm>
       </p:grpSpPr>
-      <p:sp>
-        <p:nvSpPr>
-          <p:cNvPr id="9" name="Rectangle 8">
-            <a:extLst>
-              <a:ext uri="{FF2B5EF4-FFF2-40B4-BE49-F238E27FC236}">
-                <a16:creationId xmlns:a16="http://schemas.microsoft.com/office/drawing/2014/main" id="{80B98925-0550-1AFB-C1DC-02792400FB71}"/>
+      <p:sp useBgFill="1">
+        <p:nvSpPr>
+          <p:cNvPr id="25" name="Rectangle 24">
+            <a:extLst>
+              <a:ext uri="{FF2B5EF4-FFF2-40B4-BE49-F238E27FC236}">
+                <a16:creationId xmlns:a16="http://schemas.microsoft.com/office/drawing/2014/main" id="{341BFA31-6544-45C2-9DA0-9E1C5E0B1959}"/>
               </a:ext>
               <a:ext uri="{C183D7F6-B498-43B3-948B-1728B52AA6E4}">
                 <adec:decorative xmlns:adec="http://schemas.microsoft.com/office/drawing/2017/decorative" val="1"/>
@@ -3946,9 +4038,6 @@
           <a:prstGeom prst="rect">
             <a:avLst/>
           </a:prstGeom>
-          <a:solidFill>
-            <a:schemeClr val="bg1"/>
-          </a:solidFill>
           <a:ln w="12700" cap="flat" cmpd="sng" algn="ctr">
             <a:noFill/>
             <a:prstDash val="solid"/>
@@ -3960,7 +4049,7 @@
               <a14:hiddenLine xmlns:a14="http://schemas.microsoft.com/office/drawing/2010/main" w="12700" cap="flat" cmpd="sng" algn="ctr">
                 <a:solidFill>
                   <a:schemeClr val="accent1">
-                    <a:shade val="15000"/>
+                    <a:shade val="50000"/>
                   </a:schemeClr>
                 </a:solidFill>
                 <a:prstDash val="solid"/>
@@ -3968,144 +4057,6 @@
               </a14:hiddenLine>
             </a:ext>
           </a:extLst>
-        </p:spPr>
-        <p:style>
-          <a:lnRef idx="2">
-            <a:schemeClr val="accent1">
-              <a:shade val="15000"/>
-            </a:schemeClr>
-          </a:lnRef>
-          <a:fillRef idx="1">
-            <a:schemeClr val="accent1"/>
-          </a:fillRef>
-          <a:effectRef idx="0">
-            <a:schemeClr val="accent1"/>
-          </a:effectRef>
-          <a:fontRef idx="minor">
-            <a:schemeClr val="lt1"/>
-          </a:fontRef>
-        </p:style>
-        <p:txBody>
-          <a:bodyPr rtlCol="0" anchor="ctr"/>
-          <a:lstStyle/>
-          <a:p>
-            <a:pPr marL="0" marR="0" lvl="0" indent="0" algn="ctr" defTabSz="914400" rtl="0" eaLnBrk="1" fontAlgn="auto" latinLnBrk="0" hangingPunct="1">
-              <a:lnSpc>
-                <a:spcPct val="100000"/>
-              </a:lnSpc>
-              <a:spcBef>
-                <a:spcPts val="0"/>
-              </a:spcBef>
-              <a:spcAft>
-                <a:spcPts val="0"/>
-              </a:spcAft>
-              <a:buClrTx/>
-              <a:buSzTx/>
-              <a:buFontTx/>
-              <a:buNone/>
-              <a:tabLst/>
-              <a:defRPr/>
-            </a:pPr>
-            <a:endParaRPr kumimoji="0" lang="en-US" sz="1800" b="0" i="0" u="none" strike="noStrike" kern="1200" cap="none" spc="0" normalizeH="0" baseline="0" noProof="0">
-              <a:ln>
-                <a:noFill/>
-              </a:ln>
-              <a:solidFill>
-                <a:srgbClr val="FFFFFF"/>
-              </a:solidFill>
-              <a:effectLst/>
-              <a:uLnTx/>
-              <a:uFillTx/>
-              <a:latin typeface="Calisto MT"/>
-              <a:ea typeface="+mn-ea"/>
-              <a:cs typeface="+mn-cs"/>
-            </a:endParaRPr>
-          </a:p>
-        </p:txBody>
-      </p:sp>
-      <p:pic>
-        <p:nvPicPr>
-          <p:cNvPr id="28" name="Picture 3" descr="An abstract genetic concept">
-            <a:extLst>
-              <a:ext uri="{FF2B5EF4-FFF2-40B4-BE49-F238E27FC236}">
-                <a16:creationId xmlns:a16="http://schemas.microsoft.com/office/drawing/2014/main" id="{C22F1EA5-180A-8AF8-3FAA-22AC46F57AFD}"/>
-              </a:ext>
-            </a:extLst>
-          </p:cNvPr>
-          <p:cNvPicPr>
-            <a:picLocks noChangeAspect="1"/>
-          </p:cNvPicPr>
-          <p:nvPr/>
-        </p:nvPicPr>
-        <p:blipFill>
-          <a:blip r:embed="rId2"/>
-          <a:srcRect t="19696" b="24054"/>
-          <a:stretch/>
-        </p:blipFill>
-        <p:spPr>
-          <a:xfrm>
-            <a:off x="20" y="10"/>
-            <a:ext cx="12191979" cy="6857990"/>
-          </a:xfrm>
-          <a:prstGeom prst="rect">
-            <a:avLst/>
-          </a:prstGeom>
-        </p:spPr>
-      </p:pic>
-      <p:sp>
-        <p:nvSpPr>
-          <p:cNvPr id="11" name="Rectangle 10">
-            <a:extLst>
-              <a:ext uri="{FF2B5EF4-FFF2-40B4-BE49-F238E27FC236}">
-                <a16:creationId xmlns:a16="http://schemas.microsoft.com/office/drawing/2014/main" id="{0CCA9273-E74E-A306-1F74-BEF9EDA30500}"/>
-              </a:ext>
-              <a:ext uri="{C183D7F6-B498-43B3-948B-1728B52AA6E4}">
-                <adec:decorative xmlns:adec="http://schemas.microsoft.com/office/drawing/2017/decorative" val="1"/>
-              </a:ext>
-            </a:extLst>
-          </p:cNvPr>
-          <p:cNvSpPr>
-            <a:spLocks noGrp="1" noRot="1" noChangeAspect="1" noMove="1" noResize="1" noEditPoints="1" noAdjustHandles="1" noChangeArrowheads="1" noChangeShapeType="1" noTextEdit="1"/>
-          </p:cNvSpPr>
-          <p:nvPr>
-            <p:extLst>
-              <p:ext uri="{386F3935-93C4-4BCD-93E2-E3B085C9AB24}">
-                <p16:designElem xmlns:p16="http://schemas.microsoft.com/office/powerpoint/2015/main" val="1"/>
-              </p:ext>
-            </p:extLst>
-          </p:nvPr>
-        </p:nvSpPr>
-        <p:spPr>
-          <a:xfrm flipV="1">
-            <a:off x="0" y="0"/>
-            <a:ext cx="12192000" cy="2462170"/>
-          </a:xfrm>
-          <a:prstGeom prst="rect">
-            <a:avLst/>
-          </a:prstGeom>
-          <a:gradFill>
-            <a:gsLst>
-              <a:gs pos="0">
-                <a:schemeClr val="bg1">
-                  <a:alpha val="0"/>
-                </a:schemeClr>
-              </a:gs>
-              <a:gs pos="48000">
-                <a:schemeClr val="bg1">
-                  <a:alpha val="17000"/>
-                </a:schemeClr>
-              </a:gs>
-              <a:gs pos="100000">
-                <a:schemeClr val="bg1">
-                  <a:alpha val="45000"/>
-                </a:schemeClr>
-              </a:gs>
-            </a:gsLst>
-            <a:lin ang="5400000" scaled="1"/>
-          </a:gradFill>
-          <a:ln>
-            <a:noFill/>
-          </a:ln>
         </p:spPr>
         <p:style>
           <a:lnRef idx="2">
@@ -4127,37 +4078,8 @@
           <a:bodyPr rtlCol="0" anchor="ctr"/>
           <a:lstStyle/>
           <a:p>
-            <a:pPr marL="0" marR="0" lvl="0" indent="0" algn="ctr" defTabSz="914400" rtl="0" eaLnBrk="1" fontAlgn="auto" latinLnBrk="0" hangingPunct="1">
-              <a:lnSpc>
-                <a:spcPct val="100000"/>
-              </a:lnSpc>
-              <a:spcBef>
-                <a:spcPts val="0"/>
-              </a:spcBef>
-              <a:spcAft>
-                <a:spcPts val="0"/>
-              </a:spcAft>
-              <a:buClrTx/>
-              <a:buSzTx/>
-              <a:buFontTx/>
-              <a:buNone/>
-              <a:tabLst/>
-              <a:defRPr/>
-            </a:pPr>
-            <a:endParaRPr kumimoji="0" lang="en-US" sz="1800" b="0" i="0" u="none" strike="noStrike" kern="1200" cap="none" spc="0" normalizeH="0" baseline="0" noProof="0">
-              <a:ln>
-                <a:noFill/>
-              </a:ln>
-              <a:solidFill>
-                <a:srgbClr val="FFFFFF"/>
-              </a:solidFill>
-              <a:effectLst/>
-              <a:uLnTx/>
-              <a:uFillTx/>
-              <a:latin typeface="Calisto MT"/>
-              <a:ea typeface="+mn-ea"/>
-              <a:cs typeface="+mn-cs"/>
-            </a:endParaRPr>
+            <a:pPr algn="ctr"/>
+            <a:endParaRPr lang="en-US"/>
           </a:p>
         </p:txBody>
       </p:sp>
@@ -4179,19 +4101,27 @@
         </p:nvSpPr>
         <p:spPr>
           <a:xfrm>
-            <a:off x="320039" y="175147"/>
-            <a:ext cx="7978385" cy="916234"/>
+            <a:off x="695326" y="4742029"/>
+            <a:ext cx="10765912" cy="925950"/>
           </a:xfrm>
         </p:spPr>
         <p:txBody>
-          <a:bodyPr anchor="ctr">
-            <a:noAutofit/>
+          <a:bodyPr>
+            <a:normAutofit fontScale="90000"/>
           </a:bodyPr>
           <a:lstStyle/>
           <a:p>
             <a:r>
-              <a:rPr lang="en-US" sz="7200" dirty="0"/>
-              <a:t>Chart.js</a:t>
+              <a:rPr lang="en-US" dirty="0"/>
+              <a:t>Top 50 </a:t>
+            </a:r>
+            <a:r>
+              <a:rPr lang="en-US" dirty="0" err="1"/>
+              <a:t>pga</a:t>
+            </a:r>
+            <a:r>
+              <a:rPr lang="en-US" dirty="0"/>
+              <a:t> Tour Earners – Chart.js</a:t>
             </a:r>
           </a:p>
         </p:txBody>
@@ -4214,24 +4144,147 @@
         </p:nvSpPr>
         <p:spPr>
           <a:xfrm>
-            <a:off x="8298426" y="196597"/>
-            <a:ext cx="3634494" cy="868139"/>
+            <a:off x="695325" y="5731877"/>
+            <a:ext cx="8829674" cy="429622"/>
           </a:xfrm>
         </p:spPr>
         <p:txBody>
-          <a:bodyPr anchor="ctr">
+          <a:bodyPr anchor="t">
             <a:normAutofit/>
           </a:bodyPr>
           <a:lstStyle/>
           <a:p>
-            <a:pPr algn="r"/>
-            <a:r>
-              <a:rPr lang="en-US" sz="2800" dirty="0"/>
+            <a:r>
+              <a:rPr lang="en-US"/>
               <a:t>William Holmes</a:t>
             </a:r>
           </a:p>
         </p:txBody>
       </p:sp>
+      <p:pic>
+        <p:nvPicPr>
+          <p:cNvPr id="7" name="Picture 6">
+            <a:extLst>
+              <a:ext uri="{FF2B5EF4-FFF2-40B4-BE49-F238E27FC236}">
+                <a16:creationId xmlns:a16="http://schemas.microsoft.com/office/drawing/2014/main" id="{9DA79BF6-A2E4-1F47-6630-D2F15CD1ED7F}"/>
+              </a:ext>
+            </a:extLst>
+          </p:cNvPr>
+          <p:cNvPicPr>
+            <a:picLocks noChangeAspect="1"/>
+          </p:cNvPicPr>
+          <p:nvPr/>
+        </p:nvPicPr>
+        <p:blipFill>
+          <a:blip r:embed="rId2">
+            <a:extLst>
+              <a:ext uri="{28A0092B-C50C-407E-A947-70E740481C1C}">
+                <a14:useLocalDpi xmlns:a14="http://schemas.microsoft.com/office/drawing/2010/main" val="0"/>
+              </a:ext>
+            </a:extLst>
+          </a:blip>
+          <a:stretch>
+            <a:fillRect/>
+          </a:stretch>
+        </p:blipFill>
+        <p:spPr>
+          <a:xfrm>
+            <a:off x="800100" y="1419913"/>
+            <a:ext cx="5134573" cy="2888196"/>
+          </a:xfrm>
+          <a:prstGeom prst="rect">
+            <a:avLst/>
+          </a:prstGeom>
+        </p:spPr>
+      </p:pic>
+      <p:pic>
+        <p:nvPicPr>
+          <p:cNvPr id="5" name="Graphic 4">
+            <a:extLst>
+              <a:ext uri="{FF2B5EF4-FFF2-40B4-BE49-F238E27FC236}">
+                <a16:creationId xmlns:a16="http://schemas.microsoft.com/office/drawing/2014/main" id="{7C90A61D-B1B4-8AA1-5DB4-ED521104A475}"/>
+              </a:ext>
+            </a:extLst>
+          </p:cNvPr>
+          <p:cNvPicPr>
+            <a:picLocks noChangeAspect="1"/>
+          </p:cNvPicPr>
+          <p:nvPr/>
+        </p:nvPicPr>
+        <p:blipFill>
+          <a:blip r:embed="rId3">
+            <a:extLst>
+              <a:ext uri="{96DAC541-7B7A-43D3-8B79-37D633B846F1}">
+                <asvg:svgBlip xmlns:asvg="http://schemas.microsoft.com/office/drawing/2016/SVG/main" r:embed="rId4"/>
+              </a:ext>
+            </a:extLst>
+          </a:blip>
+          <a:stretch>
+            <a:fillRect/>
+          </a:stretch>
+        </p:blipFill>
+        <p:spPr>
+          <a:xfrm>
+            <a:off x="6257329" y="866432"/>
+            <a:ext cx="3584211" cy="3584211"/>
+          </a:xfrm>
+          <a:prstGeom prst="rect">
+            <a:avLst/>
+          </a:prstGeom>
+        </p:spPr>
+      </p:pic>
+      <p:cxnSp>
+        <p:nvCxnSpPr>
+          <p:cNvPr id="27" name="Straight Connector 26">
+            <a:extLst>
+              <a:ext uri="{FF2B5EF4-FFF2-40B4-BE49-F238E27FC236}">
+                <a16:creationId xmlns:a16="http://schemas.microsoft.com/office/drawing/2014/main" id="{DC36F877-5419-44C1-A2CD-376BDDDC3E41}"/>
+              </a:ext>
+              <a:ext uri="{C183D7F6-B498-43B3-948B-1728B52AA6E4}">
+                <adec:decorative xmlns:adec="http://schemas.microsoft.com/office/drawing/2017/decorative" val="1"/>
+              </a:ext>
+            </a:extLst>
+          </p:cNvPr>
+          <p:cNvCxnSpPr>
+            <a:cxnSpLocks noGrp="1" noRot="1" noChangeAspect="1" noMove="1" noResize="1" noEditPoints="1" noAdjustHandles="1" noChangeArrowheads="1" noChangeShapeType="1"/>
+          </p:cNvCxnSpPr>
+          <p:nvPr>
+            <p:extLst>
+              <p:ext uri="{386F3935-93C4-4BCD-93E2-E3B085C9AB24}">
+                <p16:designElem xmlns:p16="http://schemas.microsoft.com/office/powerpoint/2015/main" val="1"/>
+              </p:ext>
+            </p:extLst>
+          </p:nvPr>
+        </p:nvCxnSpPr>
+        <p:spPr>
+          <a:xfrm>
+            <a:off x="800100" y="4667603"/>
+            <a:ext cx="10591800" cy="0"/>
+          </a:xfrm>
+          <a:prstGeom prst="line">
+            <a:avLst/>
+          </a:prstGeom>
+          <a:ln w="44450">
+            <a:solidFill>
+              <a:schemeClr val="tx1"/>
+            </a:solidFill>
+          </a:ln>
+        </p:spPr>
+        <p:style>
+          <a:lnRef idx="1">
+            <a:schemeClr val="accent1"/>
+          </a:lnRef>
+          <a:fillRef idx="0">
+            <a:schemeClr val="accent1"/>
+          </a:fillRef>
+          <a:effectRef idx="0">
+            <a:schemeClr val="accent1"/>
+          </a:effectRef>
+          <a:fontRef idx="minor">
+            <a:schemeClr val="tx1"/>
+          </a:fontRef>
+        </p:style>
+      </p:cxnSp>
     </p:spTree>
     <p:extLst>
       <p:ext uri="{BB962C8B-B14F-4D97-AF65-F5344CB8AC3E}">
@@ -4240,7 +4293,127 @@
     </p:extLst>
   </p:cSld>
   <p:clrMapOvr>
-    <a:overrideClrMapping bg1="dk1" tx1="lt1" bg2="dk2" tx2="lt2" accent1="accent1" accent2="accent2" accent3="accent3" accent4="accent4" accent5="accent5" accent6="accent6" hlink="hlink" folHlink="folHlink"/>
+    <a:masterClrMapping/>
+  </p:clrMapOvr>
+</p:sld>
+</file>
+
+<file path=ppt/slides/slide10.xml><?xml version="1.0" encoding="utf-8"?>
+<p:sld xmlns:a="http://schemas.openxmlformats.org/drawingml/2006/main" xmlns:r="http://schemas.openxmlformats.org/officeDocument/2006/relationships" xmlns:p="http://schemas.openxmlformats.org/presentationml/2006/main">
+  <p:cSld>
+    <p:spTree>
+      <p:nvGrpSpPr>
+        <p:cNvPr id="1" name=""/>
+        <p:cNvGrpSpPr/>
+        <p:nvPr/>
+      </p:nvGrpSpPr>
+      <p:grpSpPr>
+        <a:xfrm>
+          <a:off x="0" y="0"/>
+          <a:ext cx="0" cy="0"/>
+          <a:chOff x="0" y="0"/>
+          <a:chExt cx="0" cy="0"/>
+        </a:xfrm>
+      </p:grpSpPr>
+      <p:pic>
+        <p:nvPicPr>
+          <p:cNvPr id="3" name="Picture 2">
+            <a:extLst>
+              <a:ext uri="{FF2B5EF4-FFF2-40B4-BE49-F238E27FC236}">
+                <a16:creationId xmlns:a16="http://schemas.microsoft.com/office/drawing/2014/main" id="{08EA428B-8C60-5C1B-6C9B-25947E31731F}"/>
+              </a:ext>
+            </a:extLst>
+          </p:cNvPr>
+          <p:cNvPicPr>
+            <a:picLocks noChangeAspect="1"/>
+          </p:cNvPicPr>
+          <p:nvPr/>
+        </p:nvPicPr>
+        <p:blipFill>
+          <a:blip r:embed="rId2"/>
+          <a:stretch>
+            <a:fillRect/>
+          </a:stretch>
+        </p:blipFill>
+        <p:spPr>
+          <a:xfrm>
+            <a:off x="1939838" y="763732"/>
+            <a:ext cx="8312323" cy="5330536"/>
+          </a:xfrm>
+          <a:prstGeom prst="rect">
+            <a:avLst/>
+          </a:prstGeom>
+        </p:spPr>
+      </p:pic>
+    </p:spTree>
+    <p:extLst>
+      <p:ext uri="{BB962C8B-B14F-4D97-AF65-F5344CB8AC3E}">
+        <p14:creationId xmlns:p14="http://schemas.microsoft.com/office/powerpoint/2010/main" val="595799508"/>
+      </p:ext>
+    </p:extLst>
+  </p:cSld>
+  <p:clrMapOvr>
+    <a:masterClrMapping/>
+  </p:clrMapOvr>
+</p:sld>
+</file>
+
+<file path=ppt/slides/slide11.xml><?xml version="1.0" encoding="utf-8"?>
+<p:sld xmlns:a="http://schemas.openxmlformats.org/drawingml/2006/main" xmlns:r="http://schemas.openxmlformats.org/officeDocument/2006/relationships" xmlns:p="http://schemas.openxmlformats.org/presentationml/2006/main">
+  <p:cSld>
+    <p:spTree>
+      <p:nvGrpSpPr>
+        <p:cNvPr id="1" name=""/>
+        <p:cNvGrpSpPr/>
+        <p:nvPr/>
+      </p:nvGrpSpPr>
+      <p:grpSpPr>
+        <a:xfrm>
+          <a:off x="0" y="0"/>
+          <a:ext cx="0" cy="0"/>
+          <a:chOff x="0" y="0"/>
+          <a:chExt cx="0" cy="0"/>
+        </a:xfrm>
+      </p:grpSpPr>
+      <p:pic>
+        <p:nvPicPr>
+          <p:cNvPr id="3" name="Picture 2">
+            <a:extLst>
+              <a:ext uri="{FF2B5EF4-FFF2-40B4-BE49-F238E27FC236}">
+                <a16:creationId xmlns:a16="http://schemas.microsoft.com/office/drawing/2014/main" id="{E1D4EF93-E946-6305-9C6B-CAAAF1E9207E}"/>
+              </a:ext>
+            </a:extLst>
+          </p:cNvPr>
+          <p:cNvPicPr>
+            <a:picLocks noChangeAspect="1"/>
+          </p:cNvPicPr>
+          <p:nvPr/>
+        </p:nvPicPr>
+        <p:blipFill>
+          <a:blip r:embed="rId3"/>
+          <a:stretch>
+            <a:fillRect/>
+          </a:stretch>
+        </p:blipFill>
+        <p:spPr>
+          <a:xfrm>
+            <a:off x="1811862" y="765807"/>
+            <a:ext cx="8568276" cy="5326386"/>
+          </a:xfrm>
+          <a:prstGeom prst="rect">
+            <a:avLst/>
+          </a:prstGeom>
+        </p:spPr>
+      </p:pic>
+    </p:spTree>
+    <p:extLst>
+      <p:ext uri="{BB962C8B-B14F-4D97-AF65-F5344CB8AC3E}">
+        <p14:creationId xmlns:p14="http://schemas.microsoft.com/office/powerpoint/2010/main" val="4002326241"/>
+      </p:ext>
+    </p:extLst>
+  </p:cSld>
+  <p:clrMapOvr>
+    <a:masterClrMapping/>
   </p:clrMapOvr>
 </p:sld>
 </file>
@@ -4285,7 +4458,7 @@
           <a:p>
             <a:r>
               <a:rPr lang="en-US" dirty="0"/>
-              <a:t>Introduction to Chart.js</a:t>
+              <a:t>Chart.js</a:t>
             </a:r>
           </a:p>
         </p:txBody>
@@ -4306,65 +4479,101 @@
             <p:ph sz="half" idx="1"/>
           </p:nvPr>
         </p:nvSpPr>
-        <p:spPr/>
-        <p:txBody>
-          <a:bodyPr/>
-          <a:lstStyle/>
-          <a:p>
-            <a:r>
-              <a:rPr lang="en-US" dirty="0"/>
-              <a:t>Chart.js </a:t>
-            </a:r>
-          </a:p>
+        <p:spPr>
+          <a:xfrm>
+            <a:off x="700635" y="1907360"/>
+            <a:ext cx="5212080" cy="3739896"/>
+          </a:xfrm>
+        </p:spPr>
+        <p:txBody>
+          <a:bodyPr>
+            <a:normAutofit fontScale="92500"/>
+          </a:bodyPr>
+          <a:lstStyle/>
           <a:p>
             <a:pPr lvl="1"/>
             <a:r>
-              <a:rPr lang="en-US" dirty="0"/>
-              <a:t>JavaScript Charting Library</a:t>
+              <a:rPr lang="en-US" sz="2400" dirty="0"/>
+              <a:t>What is it?</a:t>
+            </a:r>
+          </a:p>
+          <a:p>
+            <a:pPr lvl="2"/>
+            <a:r>
+              <a:rPr lang="en-US" sz="2400" dirty="0"/>
+              <a:t>A free, open-source JavaScript data visualization library</a:t>
             </a:r>
           </a:p>
           <a:p>
             <a:pPr lvl="1"/>
             <a:r>
-              <a:rPr lang="en-US"/>
-              <a:t>Open-Source</a:t>
+              <a:rPr lang="en-US" sz="2400" dirty="0"/>
+              <a:t>What is it useful for?</a:t>
+            </a:r>
+          </a:p>
+          <a:p>
+            <a:pPr lvl="2"/>
+            <a:r>
+              <a:rPr lang="en-US" sz="2400" dirty="0"/>
+              <a:t>Creating responsive and interactive charts and graphs for web use.</a:t>
+            </a:r>
+          </a:p>
+          <a:p>
+            <a:pPr lvl="1"/>
+            <a:r>
+              <a:rPr lang="en-US" sz="2400" dirty="0"/>
+              <a:t>When was it released?</a:t>
+            </a:r>
+          </a:p>
+          <a:p>
+            <a:pPr lvl="2"/>
+            <a:r>
+              <a:rPr lang="en-US" sz="2400" dirty="0"/>
+              <a:t>Originally released in April 2013</a:t>
             </a:r>
           </a:p>
           <a:p>
             <a:pPr lvl="1"/>
             <a:endParaRPr lang="en-US" dirty="0"/>
           </a:p>
-          <a:p>
-            <a:pPr lvl="1"/>
-            <a:endParaRPr lang="en-US" dirty="0"/>
-          </a:p>
-        </p:txBody>
-      </p:sp>
-      <p:sp>
-        <p:nvSpPr>
-          <p:cNvPr id="4" name="Content Placeholder 3">
-            <a:extLst>
-              <a:ext uri="{FF2B5EF4-FFF2-40B4-BE49-F238E27FC236}">
-                <a16:creationId xmlns:a16="http://schemas.microsoft.com/office/drawing/2014/main" id="{D301C57C-F3AA-712C-1FA7-2E954859A2B2}"/>
-              </a:ext>
-            </a:extLst>
-          </p:cNvPr>
-          <p:cNvSpPr>
-            <a:spLocks noGrp="1"/>
-          </p:cNvSpPr>
-          <p:nvPr>
-            <p:ph sz="half" idx="2"/>
-          </p:nvPr>
-        </p:nvSpPr>
-        <p:spPr/>
-        <p:txBody>
-          <a:bodyPr/>
-          <a:lstStyle/>
-          <a:p>
-            <a:endParaRPr lang="en-US"/>
-          </a:p>
-        </p:txBody>
-      </p:sp>
+        </p:txBody>
+      </p:sp>
+      <p:pic>
+        <p:nvPicPr>
+          <p:cNvPr id="6" name="Picture 5" descr="A graph with a chart and text&#10;&#10;AI-generated content may be incorrect.">
+            <a:extLst>
+              <a:ext uri="{FF2B5EF4-FFF2-40B4-BE49-F238E27FC236}">
+                <a16:creationId xmlns:a16="http://schemas.microsoft.com/office/drawing/2014/main" id="{5F242B48-031C-320A-3719-366FDB13359F}"/>
+              </a:ext>
+            </a:extLst>
+          </p:cNvPr>
+          <p:cNvPicPr>
+            <a:picLocks noChangeAspect="1"/>
+          </p:cNvPicPr>
+          <p:nvPr/>
+        </p:nvPicPr>
+        <p:blipFill>
+          <a:blip r:embed="rId2">
+            <a:extLst>
+              <a:ext uri="{28A0092B-C50C-407E-A947-70E740481C1C}">
+                <a14:useLocalDpi xmlns:a14="http://schemas.microsoft.com/office/drawing/2010/main" val="0"/>
+              </a:ext>
+            </a:extLst>
+          </a:blip>
+          <a:stretch>
+            <a:fillRect/>
+          </a:stretch>
+        </p:blipFill>
+        <p:spPr>
+          <a:xfrm>
+            <a:off x="6279287" y="1760225"/>
+            <a:ext cx="5669085" cy="3887031"/>
+          </a:xfrm>
+          <a:prstGeom prst="rect">
+            <a:avLst/>
+          </a:prstGeom>
+        </p:spPr>
+      </p:pic>
     </p:spTree>
     <p:extLst>
       <p:ext uri="{BB962C8B-B14F-4D97-AF65-F5344CB8AC3E}">
@@ -4381,6 +4590,14 @@
 <file path=ppt/slides/slide3.xml><?xml version="1.0" encoding="utf-8"?>
 <p:sld xmlns:a="http://schemas.openxmlformats.org/drawingml/2006/main" xmlns:r="http://schemas.openxmlformats.org/officeDocument/2006/relationships" xmlns:p="http://schemas.openxmlformats.org/presentationml/2006/main">
   <p:cSld>
+    <p:bg>
+      <p:bgPr>
+        <a:solidFill>
+          <a:schemeClr val="bg1"/>
+        </a:solidFill>
+        <a:effectLst/>
+      </p:bgPr>
+    </p:bg>
     <p:spTree>
       <p:nvGrpSpPr>
         <p:cNvPr id="1" name=""/>
@@ -4395,11 +4612,703 @@
           <a:chExt cx="0" cy="0"/>
         </a:xfrm>
       </p:grpSpPr>
+      <p:sp useBgFill="1">
+        <p:nvSpPr>
+          <p:cNvPr id="26" name="Rectangle 25">
+            <a:extLst>
+              <a:ext uri="{FF2B5EF4-FFF2-40B4-BE49-F238E27FC236}">
+                <a16:creationId xmlns:a16="http://schemas.microsoft.com/office/drawing/2014/main" id="{E49D7415-2F11-44C2-B6AA-13A25B6814B9}"/>
+              </a:ext>
+              <a:ext uri="{C183D7F6-B498-43B3-948B-1728B52AA6E4}">
+                <adec:decorative xmlns:adec="http://schemas.microsoft.com/office/drawing/2017/decorative" val="1"/>
+              </a:ext>
+            </a:extLst>
+          </p:cNvPr>
+          <p:cNvSpPr>
+            <a:spLocks noGrp="1" noRot="1" noChangeAspect="1" noMove="1" noResize="1" noEditPoints="1" noAdjustHandles="1" noChangeArrowheads="1" noChangeShapeType="1" noTextEdit="1"/>
+          </p:cNvSpPr>
+          <p:nvPr>
+            <p:extLst>
+              <p:ext uri="{386F3935-93C4-4BCD-93E2-E3B085C9AB24}">
+                <p16:designElem xmlns:p16="http://schemas.microsoft.com/office/powerpoint/2015/main" val="1"/>
+              </p:ext>
+            </p:extLst>
+          </p:nvPr>
+        </p:nvSpPr>
+        <p:spPr>
+          <a:xfrm>
+            <a:off x="0" y="0"/>
+            <a:ext cx="12192000" cy="6858000"/>
+          </a:xfrm>
+          <a:prstGeom prst="rect">
+            <a:avLst/>
+          </a:prstGeom>
+          <a:ln w="12700" cap="flat" cmpd="sng" algn="ctr">
+            <a:noFill/>
+            <a:prstDash val="solid"/>
+            <a:miter lim="800000"/>
+          </a:ln>
+          <a:effectLst/>
+          <a:extLst>
+            <a:ext uri="{91240B29-F687-4F45-9708-019B960494DF}">
+              <a14:hiddenLine xmlns:a14="http://schemas.microsoft.com/office/drawing/2010/main" w="12700" cap="flat" cmpd="sng" algn="ctr">
+                <a:solidFill>
+                  <a:schemeClr val="accent1">
+                    <a:shade val="50000"/>
+                  </a:schemeClr>
+                </a:solidFill>
+                <a:prstDash val="solid"/>
+                <a:miter lim="800000"/>
+              </a14:hiddenLine>
+            </a:ext>
+          </a:extLst>
+        </p:spPr>
+        <p:style>
+          <a:lnRef idx="2">
+            <a:schemeClr val="accent1">
+              <a:shade val="50000"/>
+            </a:schemeClr>
+          </a:lnRef>
+          <a:fillRef idx="1">
+            <a:schemeClr val="accent1"/>
+          </a:fillRef>
+          <a:effectRef idx="0">
+            <a:schemeClr val="accent1"/>
+          </a:effectRef>
+          <a:fontRef idx="minor">
+            <a:schemeClr val="lt1"/>
+          </a:fontRef>
+        </p:style>
+        <p:txBody>
+          <a:bodyPr rtlCol="0" anchor="ctr"/>
+          <a:lstStyle/>
+          <a:p>
+            <a:pPr algn="ctr"/>
+            <a:endParaRPr lang="en-US"/>
+          </a:p>
+        </p:txBody>
+      </p:sp>
       <p:sp>
         <p:nvSpPr>
           <p:cNvPr id="2" name="Title 1">
             <a:extLst>
               <a:ext uri="{FF2B5EF4-FFF2-40B4-BE49-F238E27FC236}">
+                <a16:creationId xmlns:a16="http://schemas.microsoft.com/office/drawing/2014/main" id="{7A599E63-63D7-5847-9010-35518EAF2FEA}"/>
+              </a:ext>
+            </a:extLst>
+          </p:cNvPr>
+          <p:cNvSpPr>
+            <a:spLocks noGrp="1"/>
+          </p:cNvSpPr>
+          <p:nvPr>
+            <p:ph type="title"/>
+          </p:nvPr>
+        </p:nvSpPr>
+        <p:spPr>
+          <a:xfrm>
+            <a:off x="6696186" y="909637"/>
+            <a:ext cx="4800600" cy="1307592"/>
+          </a:xfrm>
+        </p:spPr>
+        <p:txBody>
+          <a:bodyPr>
+            <a:normAutofit/>
+          </a:bodyPr>
+          <a:lstStyle/>
+          <a:p>
+            <a:r>
+              <a:rPr lang="en-US"/>
+              <a:t>Hello world</a:t>
+            </a:r>
+          </a:p>
+        </p:txBody>
+      </p:sp>
+      <p:pic>
+        <p:nvPicPr>
+          <p:cNvPr id="5" name="Content Placeholder 4" descr="A screen shot of a computer program&#10;&#10;AI-generated content may be incorrect.">
+            <a:extLst>
+              <a:ext uri="{FF2B5EF4-FFF2-40B4-BE49-F238E27FC236}">
+                <a16:creationId xmlns:a16="http://schemas.microsoft.com/office/drawing/2014/main" id="{6A518790-2B8C-86E0-A8BF-D212CB8DC0C2}"/>
+              </a:ext>
+            </a:extLst>
+          </p:cNvPr>
+          <p:cNvPicPr>
+            <a:picLocks noChangeAspect="1"/>
+          </p:cNvPicPr>
+          <p:nvPr/>
+        </p:nvPicPr>
+        <p:blipFill>
+          <a:blip r:embed="rId2">
+            <a:extLst>
+              <a:ext uri="{28A0092B-C50C-407E-A947-70E740481C1C}">
+                <a14:useLocalDpi xmlns:a14="http://schemas.microsoft.com/office/drawing/2010/main" val="0"/>
+              </a:ext>
+            </a:extLst>
+          </a:blip>
+          <a:srcRect r="5487"/>
+          <a:stretch/>
+        </p:blipFill>
+        <p:spPr>
+          <a:xfrm>
+            <a:off x="20" y="10"/>
+            <a:ext cx="6044164" cy="6857990"/>
+          </a:xfrm>
+          <a:prstGeom prst="rect">
+            <a:avLst/>
+          </a:prstGeom>
+        </p:spPr>
+      </p:pic>
+      <p:cxnSp>
+        <p:nvCxnSpPr>
+          <p:cNvPr id="27" name="Straight Connector 26">
+            <a:extLst>
+              <a:ext uri="{FF2B5EF4-FFF2-40B4-BE49-F238E27FC236}">
+                <a16:creationId xmlns:a16="http://schemas.microsoft.com/office/drawing/2014/main" id="{511FC409-B3C2-4F68-865C-C5333D6F2710}"/>
+              </a:ext>
+              <a:ext uri="{C183D7F6-B498-43B3-948B-1728B52AA6E4}">
+                <adec:decorative xmlns:adec="http://schemas.microsoft.com/office/drawing/2017/decorative" val="1"/>
+              </a:ext>
+            </a:extLst>
+          </p:cNvPr>
+          <p:cNvCxnSpPr>
+            <a:cxnSpLocks noGrp="1" noRot="1" noChangeAspect="1" noMove="1" noResize="1" noEditPoints="1" noAdjustHandles="1" noChangeArrowheads="1" noChangeShapeType="1"/>
+          </p:cNvCxnSpPr>
+          <p:nvPr>
+            <p:extLst>
+              <p:ext uri="{386F3935-93C4-4BCD-93E2-E3B085C9AB24}">
+                <p16:designElem xmlns:p16="http://schemas.microsoft.com/office/powerpoint/2015/main" val="1"/>
+              </p:ext>
+            </p:extLst>
+          </p:nvPr>
+        </p:nvCxnSpPr>
+        <p:spPr>
+          <a:xfrm>
+            <a:off x="6781300" y="723900"/>
+            <a:ext cx="4610075" cy="0"/>
+          </a:xfrm>
+          <a:prstGeom prst="line">
+            <a:avLst/>
+          </a:prstGeom>
+          <a:ln w="44450">
+            <a:solidFill>
+              <a:schemeClr val="tx1"/>
+            </a:solidFill>
+          </a:ln>
+        </p:spPr>
+        <p:style>
+          <a:lnRef idx="1">
+            <a:schemeClr val="accent1"/>
+          </a:lnRef>
+          <a:fillRef idx="0">
+            <a:schemeClr val="accent1"/>
+          </a:fillRef>
+          <a:effectRef idx="0">
+            <a:schemeClr val="accent1"/>
+          </a:effectRef>
+          <a:fontRef idx="minor">
+            <a:schemeClr val="tx1"/>
+          </a:fontRef>
+        </p:style>
+      </p:cxnSp>
+      <p:sp>
+        <p:nvSpPr>
+          <p:cNvPr id="9" name="Content Placeholder 8">
+            <a:extLst>
+              <a:ext uri="{FF2B5EF4-FFF2-40B4-BE49-F238E27FC236}">
+                <a16:creationId xmlns:a16="http://schemas.microsoft.com/office/drawing/2014/main" id="{33F52E17-C923-9B30-497A-401BE003B87C}"/>
+              </a:ext>
+            </a:extLst>
+          </p:cNvPr>
+          <p:cNvSpPr>
+            <a:spLocks noGrp="1"/>
+          </p:cNvSpPr>
+          <p:nvPr>
+            <p:ph idx="1"/>
+          </p:nvPr>
+        </p:nvSpPr>
+        <p:spPr>
+          <a:xfrm>
+            <a:off x="6696186" y="2221992"/>
+            <a:ext cx="4800600" cy="3739896"/>
+          </a:xfrm>
+        </p:spPr>
+        <p:txBody>
+          <a:bodyPr>
+            <a:normAutofit/>
+          </a:bodyPr>
+          <a:lstStyle/>
+          <a:p>
+            <a:r>
+              <a:rPr lang="en-US" dirty="0"/>
+              <a:t>A simple bar chart</a:t>
+            </a:r>
+          </a:p>
+          <a:p>
+            <a:r>
+              <a:rPr lang="en-US" dirty="0"/>
+              <a:t>Uses HTML Canvas</a:t>
+            </a:r>
+          </a:p>
+          <a:p>
+            <a:r>
+              <a:rPr lang="en-US" dirty="0"/>
+              <a:t>Connects to Chart.js via CDN in &lt;script&gt;</a:t>
+            </a:r>
+          </a:p>
+          <a:p>
+            <a:pPr lvl="1"/>
+            <a:r>
+              <a:rPr lang="en-US" b="1" u="sng" dirty="0"/>
+              <a:t>No Install required!</a:t>
+            </a:r>
+          </a:p>
+          <a:p>
+            <a:r>
+              <a:rPr lang="en-US" dirty="0"/>
+              <a:t>Create labels and data within new Chart object</a:t>
+            </a:r>
+          </a:p>
+        </p:txBody>
+      </p:sp>
+      <p:cxnSp>
+        <p:nvCxnSpPr>
+          <p:cNvPr id="25" name="Straight Connector 24">
+            <a:extLst>
+              <a:ext uri="{FF2B5EF4-FFF2-40B4-BE49-F238E27FC236}">
+                <a16:creationId xmlns:a16="http://schemas.microsoft.com/office/drawing/2014/main" id="{B810270D-76A7-44B3-9746-7EDF5788602E}"/>
+              </a:ext>
+              <a:ext uri="{C183D7F6-B498-43B3-948B-1728B52AA6E4}">
+                <adec:decorative xmlns:adec="http://schemas.microsoft.com/office/drawing/2017/decorative" val="1"/>
+              </a:ext>
+            </a:extLst>
+          </p:cNvPr>
+          <p:cNvCxnSpPr>
+            <a:cxnSpLocks noGrp="1" noRot="1" noChangeAspect="1" noMove="1" noResize="1" noEditPoints="1" noAdjustHandles="1" noChangeArrowheads="1" noChangeShapeType="1"/>
+          </p:cNvCxnSpPr>
+          <p:nvPr>
+            <p:extLst>
+              <p:ext uri="{386F3935-93C4-4BCD-93E2-E3B085C9AB24}">
+                <p16:designElem xmlns:p16="http://schemas.microsoft.com/office/powerpoint/2015/main" val="1"/>
+              </p:ext>
+            </p:extLst>
+          </p:nvPr>
+        </p:nvCxnSpPr>
+        <p:spPr>
+          <a:xfrm>
+            <a:off x="6781300" y="6142781"/>
+            <a:ext cx="4610075" cy="0"/>
+          </a:xfrm>
+          <a:prstGeom prst="line">
+            <a:avLst/>
+          </a:prstGeom>
+          <a:ln w="12700">
+            <a:solidFill>
+              <a:schemeClr val="tx1"/>
+            </a:solidFill>
+          </a:ln>
+        </p:spPr>
+        <p:style>
+          <a:lnRef idx="1">
+            <a:schemeClr val="accent1"/>
+          </a:lnRef>
+          <a:fillRef idx="0">
+            <a:schemeClr val="accent1"/>
+          </a:fillRef>
+          <a:effectRef idx="0">
+            <a:schemeClr val="accent1"/>
+          </a:effectRef>
+          <a:fontRef idx="minor">
+            <a:schemeClr val="tx1"/>
+          </a:fontRef>
+        </p:style>
+      </p:cxnSp>
+    </p:spTree>
+    <p:extLst>
+      <p:ext uri="{BB962C8B-B14F-4D97-AF65-F5344CB8AC3E}">
+        <p14:creationId xmlns:p14="http://schemas.microsoft.com/office/powerpoint/2010/main" val="1143930596"/>
+      </p:ext>
+    </p:extLst>
+  </p:cSld>
+  <p:clrMapOvr>
+    <a:masterClrMapping/>
+  </p:clrMapOvr>
+</p:sld>
+</file>
+
+<file path=ppt/slides/slide4.xml><?xml version="1.0" encoding="utf-8"?>
+<p:sld xmlns:a="http://schemas.openxmlformats.org/drawingml/2006/main" xmlns:r="http://schemas.openxmlformats.org/officeDocument/2006/relationships" xmlns:p="http://schemas.openxmlformats.org/presentationml/2006/main">
+  <p:cSld>
+    <p:spTree>
+      <p:nvGrpSpPr>
+        <p:cNvPr id="1" name=""/>
+        <p:cNvGrpSpPr/>
+        <p:nvPr/>
+      </p:nvGrpSpPr>
+      <p:grpSpPr>
+        <a:xfrm>
+          <a:off x="0" y="0"/>
+          <a:ext cx="0" cy="0"/>
+          <a:chOff x="0" y="0"/>
+          <a:chExt cx="0" cy="0"/>
+        </a:xfrm>
+      </p:grpSpPr>
+      <p:pic>
+        <p:nvPicPr>
+          <p:cNvPr id="2" name="Content Placeholder 4" descr="A screen shot of a computer program&#10;&#10;AI-generated content may be incorrect.">
+            <a:extLst>
+              <a:ext uri="{FF2B5EF4-FFF2-40B4-BE49-F238E27FC236}">
+                <a16:creationId xmlns:a16="http://schemas.microsoft.com/office/drawing/2014/main" id="{AEB27762-D627-2ECD-1136-C64EAA22E477}"/>
+              </a:ext>
+            </a:extLst>
+          </p:cNvPr>
+          <p:cNvPicPr>
+            <a:picLocks noChangeAspect="1"/>
+          </p:cNvPicPr>
+          <p:nvPr/>
+        </p:nvPicPr>
+        <p:blipFill>
+          <a:blip r:embed="rId2">
+            <a:extLst>
+              <a:ext uri="{28A0092B-C50C-407E-A947-70E740481C1C}">
+                <a14:useLocalDpi xmlns:a14="http://schemas.microsoft.com/office/drawing/2010/main" val="0"/>
+              </a:ext>
+            </a:extLst>
+          </a:blip>
+          <a:srcRect r="5487"/>
+          <a:stretch/>
+        </p:blipFill>
+        <p:spPr>
+          <a:xfrm>
+            <a:off x="83147" y="911844"/>
+            <a:ext cx="4436898" cy="5034311"/>
+          </a:xfrm>
+          <a:prstGeom prst="rect">
+            <a:avLst/>
+          </a:prstGeom>
+        </p:spPr>
+      </p:pic>
+      <p:pic>
+        <p:nvPicPr>
+          <p:cNvPr id="4" name="Picture 3" descr="A screenshot of a graph&#10;&#10;AI-generated content may be incorrect.">
+            <a:extLst>
+              <a:ext uri="{FF2B5EF4-FFF2-40B4-BE49-F238E27FC236}">
+                <a16:creationId xmlns:a16="http://schemas.microsoft.com/office/drawing/2014/main" id="{059DCF5E-D672-9A05-1357-7A289F17F2C3}"/>
+              </a:ext>
+            </a:extLst>
+          </p:cNvPr>
+          <p:cNvPicPr>
+            <a:picLocks noChangeAspect="1"/>
+          </p:cNvPicPr>
+          <p:nvPr/>
+        </p:nvPicPr>
+        <p:blipFill>
+          <a:blip r:embed="rId3">
+            <a:extLst>
+              <a:ext uri="{28A0092B-C50C-407E-A947-70E740481C1C}">
+                <a14:useLocalDpi xmlns:a14="http://schemas.microsoft.com/office/drawing/2010/main" val="0"/>
+              </a:ext>
+            </a:extLst>
+          </a:blip>
+          <a:stretch>
+            <a:fillRect/>
+          </a:stretch>
+        </p:blipFill>
+        <p:spPr>
+          <a:xfrm>
+            <a:off x="4630684" y="828311"/>
+            <a:ext cx="7478169" cy="5201376"/>
+          </a:xfrm>
+          <a:prstGeom prst="rect">
+            <a:avLst/>
+          </a:prstGeom>
+        </p:spPr>
+      </p:pic>
+    </p:spTree>
+    <p:extLst>
+      <p:ext uri="{BB962C8B-B14F-4D97-AF65-F5344CB8AC3E}">
+        <p14:creationId xmlns:p14="http://schemas.microsoft.com/office/powerpoint/2010/main" val="2559896025"/>
+      </p:ext>
+    </p:extLst>
+  </p:cSld>
+  <p:clrMapOvr>
+    <a:masterClrMapping/>
+  </p:clrMapOvr>
+</p:sld>
+</file>
+
+<file path=ppt/slides/slide5.xml><?xml version="1.0" encoding="utf-8"?>
+<p:sld xmlns:a="http://schemas.openxmlformats.org/drawingml/2006/main" xmlns:r="http://schemas.openxmlformats.org/officeDocument/2006/relationships" xmlns:p="http://schemas.openxmlformats.org/presentationml/2006/main">
+  <p:cSld>
+    <p:bg>
+      <p:bgPr>
+        <a:solidFill>
+          <a:schemeClr val="bg1"/>
+        </a:solidFill>
+        <a:effectLst/>
+      </p:bgPr>
+    </p:bg>
+    <p:spTree>
+      <p:nvGrpSpPr>
+        <p:cNvPr id="1" name=""/>
+        <p:cNvGrpSpPr/>
+        <p:nvPr/>
+      </p:nvGrpSpPr>
+      <p:grpSpPr>
+        <a:xfrm>
+          <a:off x="0" y="0"/>
+          <a:ext cx="0" cy="0"/>
+          <a:chOff x="0" y="0"/>
+          <a:chExt cx="0" cy="0"/>
+        </a:xfrm>
+      </p:grpSpPr>
+      <p:cxnSp>
+        <p:nvCxnSpPr>
+          <p:cNvPr id="9" name="Straight Connector 8">
+            <a:extLst>
+              <a:ext uri="{FF2B5EF4-FFF2-40B4-BE49-F238E27FC236}">
+                <a16:creationId xmlns:a16="http://schemas.microsoft.com/office/drawing/2014/main" id="{F64F9B95-9045-48D2-B9F3-2927E98F54AA}"/>
+              </a:ext>
+              <a:ext uri="{C183D7F6-B498-43B3-948B-1728B52AA6E4}">
+                <adec:decorative xmlns:adec="http://schemas.microsoft.com/office/drawing/2017/decorative" val="1"/>
+              </a:ext>
+            </a:extLst>
+          </p:cNvPr>
+          <p:cNvCxnSpPr>
+            <a:cxnSpLocks noGrp="1" noRot="1" noChangeAspect="1" noMove="1" noResize="1" noEditPoints="1" noAdjustHandles="1" noChangeArrowheads="1" noChangeShapeType="1"/>
+          </p:cNvCxnSpPr>
+          <p:nvPr>
+            <p:extLst>
+              <p:ext uri="{386F3935-93C4-4BCD-93E2-E3B085C9AB24}">
+                <p16:designElem xmlns:p16="http://schemas.microsoft.com/office/powerpoint/2015/main" val="1"/>
+              </p:ext>
+            </p:extLst>
+          </p:nvPr>
+        </p:nvCxnSpPr>
+        <p:spPr>
+          <a:xfrm>
+            <a:off x="800100" y="723900"/>
+            <a:ext cx="10591800" cy="0"/>
+          </a:xfrm>
+          <a:prstGeom prst="line">
+            <a:avLst/>
+          </a:prstGeom>
+          <a:ln w="44450">
+            <a:solidFill>
+              <a:schemeClr val="tx1"/>
+            </a:solidFill>
+          </a:ln>
+        </p:spPr>
+        <p:style>
+          <a:lnRef idx="1">
+            <a:schemeClr val="accent1"/>
+          </a:lnRef>
+          <a:fillRef idx="0">
+            <a:schemeClr val="accent1"/>
+          </a:fillRef>
+          <a:effectRef idx="0">
+            <a:schemeClr val="accent1"/>
+          </a:effectRef>
+          <a:fontRef idx="minor">
+            <a:schemeClr val="tx1"/>
+          </a:fontRef>
+        </p:style>
+      </p:cxnSp>
+      <p:cxnSp>
+        <p:nvCxnSpPr>
+          <p:cNvPr id="11" name="Straight Connector 10">
+            <a:extLst>
+              <a:ext uri="{FF2B5EF4-FFF2-40B4-BE49-F238E27FC236}">
+                <a16:creationId xmlns:a16="http://schemas.microsoft.com/office/drawing/2014/main" id="{085AA86F-6A4D-4BCB-A045-D992CDC2959B}"/>
+              </a:ext>
+              <a:ext uri="{C183D7F6-B498-43B3-948B-1728B52AA6E4}">
+                <adec:decorative xmlns:adec="http://schemas.microsoft.com/office/drawing/2017/decorative" val="1"/>
+              </a:ext>
+            </a:extLst>
+          </p:cNvPr>
+          <p:cNvCxnSpPr>
+            <a:cxnSpLocks noGrp="1" noRot="1" noChangeAspect="1" noMove="1" noResize="1" noEditPoints="1" noAdjustHandles="1" noChangeArrowheads="1" noChangeShapeType="1"/>
+          </p:cNvCxnSpPr>
+          <p:nvPr>
+            <p:extLst>
+              <p:ext uri="{386F3935-93C4-4BCD-93E2-E3B085C9AB24}">
+                <p16:designElem xmlns:p16="http://schemas.microsoft.com/office/powerpoint/2015/main" val="1"/>
+              </p:ext>
+            </p:extLst>
+          </p:nvPr>
+        </p:nvCxnSpPr>
+        <p:spPr>
+          <a:xfrm>
+            <a:off x="800100" y="6142781"/>
+            <a:ext cx="10591800" cy="0"/>
+          </a:xfrm>
+          <a:prstGeom prst="line">
+            <a:avLst/>
+          </a:prstGeom>
+          <a:ln w="12700">
+            <a:solidFill>
+              <a:schemeClr val="tx1"/>
+            </a:solidFill>
+          </a:ln>
+        </p:spPr>
+        <p:style>
+          <a:lnRef idx="1">
+            <a:schemeClr val="accent1"/>
+          </a:lnRef>
+          <a:fillRef idx="0">
+            <a:schemeClr val="accent1"/>
+          </a:fillRef>
+          <a:effectRef idx="0">
+            <a:schemeClr val="accent1"/>
+          </a:effectRef>
+          <a:fontRef idx="minor">
+            <a:schemeClr val="tx1"/>
+          </a:fontRef>
+        </p:style>
+      </p:cxnSp>
+      <p:sp useBgFill="1">
+        <p:nvSpPr>
+          <p:cNvPr id="13" name="Rectangle 12">
+            <a:extLst>
+              <a:ext uri="{FF2B5EF4-FFF2-40B4-BE49-F238E27FC236}">
+                <a16:creationId xmlns:a16="http://schemas.microsoft.com/office/drawing/2014/main" id="{33E93247-6229-44AB-A550-739E971E690B}"/>
+              </a:ext>
+              <a:ext uri="{C183D7F6-B498-43B3-948B-1728B52AA6E4}">
+                <adec:decorative xmlns:adec="http://schemas.microsoft.com/office/drawing/2017/decorative" val="1"/>
+              </a:ext>
+            </a:extLst>
+          </p:cNvPr>
+          <p:cNvSpPr>
+            <a:spLocks noGrp="1" noRot="1" noChangeAspect="1" noMove="1" noResize="1" noEditPoints="1" noAdjustHandles="1" noChangeArrowheads="1" noChangeShapeType="1" noTextEdit="1"/>
+          </p:cNvSpPr>
+          <p:nvPr>
+            <p:extLst>
+              <p:ext uri="{386F3935-93C4-4BCD-93E2-E3B085C9AB24}">
+                <p16:designElem xmlns:p16="http://schemas.microsoft.com/office/powerpoint/2015/main" val="1"/>
+              </p:ext>
+            </p:extLst>
+          </p:nvPr>
+        </p:nvSpPr>
+        <p:spPr>
+          <a:xfrm>
+            <a:off x="0" y="0"/>
+            <a:ext cx="12192000" cy="6858000"/>
+          </a:xfrm>
+          <a:prstGeom prst="rect">
+            <a:avLst/>
+          </a:prstGeom>
+          <a:ln w="12700" cap="flat" cmpd="sng" algn="ctr">
+            <a:noFill/>
+            <a:prstDash val="solid"/>
+            <a:miter lim="800000"/>
+          </a:ln>
+          <a:effectLst/>
+          <a:extLst>
+            <a:ext uri="{91240B29-F687-4F45-9708-019B960494DF}">
+              <a14:hiddenLine xmlns:a14="http://schemas.microsoft.com/office/drawing/2010/main" w="12700" cap="flat" cmpd="sng" algn="ctr">
+                <a:solidFill>
+                  <a:schemeClr val="accent1">
+                    <a:shade val="50000"/>
+                  </a:schemeClr>
+                </a:solidFill>
+                <a:prstDash val="solid"/>
+                <a:miter lim="800000"/>
+              </a14:hiddenLine>
+            </a:ext>
+          </a:extLst>
+        </p:spPr>
+        <p:style>
+          <a:lnRef idx="2">
+            <a:schemeClr val="accent1">
+              <a:shade val="50000"/>
+            </a:schemeClr>
+          </a:lnRef>
+          <a:fillRef idx="1">
+            <a:schemeClr val="accent1"/>
+          </a:fillRef>
+          <a:effectRef idx="0">
+            <a:schemeClr val="accent1"/>
+          </a:effectRef>
+          <a:fontRef idx="minor">
+            <a:schemeClr val="lt1"/>
+          </a:fontRef>
+        </p:style>
+        <p:txBody>
+          <a:bodyPr rtlCol="0" anchor="ctr"/>
+          <a:lstStyle/>
+          <a:p>
+            <a:pPr algn="ctr"/>
+            <a:endParaRPr lang="en-US"/>
+          </a:p>
+        </p:txBody>
+      </p:sp>
+      <p:sp useBgFill="1">
+        <p:nvSpPr>
+          <p:cNvPr id="15" name="Rectangle 14">
+            <a:extLst>
+              <a:ext uri="{FF2B5EF4-FFF2-40B4-BE49-F238E27FC236}">
+                <a16:creationId xmlns:a16="http://schemas.microsoft.com/office/drawing/2014/main" id="{BC30665E-D592-446F-98EB-15F172A22697}"/>
+              </a:ext>
+              <a:ext uri="{C183D7F6-B498-43B3-948B-1728B52AA6E4}">
+                <adec:decorative xmlns:adec="http://schemas.microsoft.com/office/drawing/2017/decorative" val="1"/>
+              </a:ext>
+            </a:extLst>
+          </p:cNvPr>
+          <p:cNvSpPr>
+            <a:spLocks noGrp="1" noRot="1" noChangeAspect="1" noMove="1" noResize="1" noEditPoints="1" noAdjustHandles="1" noChangeArrowheads="1" noChangeShapeType="1" noTextEdit="1"/>
+          </p:cNvSpPr>
+          <p:nvPr>
+            <p:extLst>
+              <p:ext uri="{386F3935-93C4-4BCD-93E2-E3B085C9AB24}">
+                <p16:designElem xmlns:p16="http://schemas.microsoft.com/office/powerpoint/2015/main" val="1"/>
+              </p:ext>
+            </p:extLst>
+          </p:nvPr>
+        </p:nvSpPr>
+        <p:spPr>
+          <a:xfrm>
+            <a:off x="0" y="0"/>
+            <a:ext cx="12192000" cy="6858000"/>
+          </a:xfrm>
+          <a:prstGeom prst="rect">
+            <a:avLst/>
+          </a:prstGeom>
+          <a:ln w="12700" cap="flat" cmpd="sng" algn="ctr">
+            <a:noFill/>
+            <a:prstDash val="solid"/>
+            <a:miter lim="800000"/>
+          </a:ln>
+          <a:effectLst/>
+        </p:spPr>
+        <p:style>
+          <a:lnRef idx="2">
+            <a:schemeClr val="accent1">
+              <a:shade val="50000"/>
+            </a:schemeClr>
+          </a:lnRef>
+          <a:fillRef idx="1">
+            <a:schemeClr val="accent1"/>
+          </a:fillRef>
+          <a:effectRef idx="0">
+            <a:schemeClr val="accent1"/>
+          </a:effectRef>
+          <a:fontRef idx="minor">
+            <a:schemeClr val="lt1"/>
+          </a:fontRef>
+        </p:style>
+        <p:txBody>
+          <a:bodyPr rtlCol="0" anchor="ctr"/>
+          <a:lstStyle/>
+          <a:p>
+            <a:pPr algn="ctr"/>
+            <a:endParaRPr lang="en-US"/>
+          </a:p>
+        </p:txBody>
+      </p:sp>
+      <p:sp>
+        <p:nvSpPr>
+          <p:cNvPr id="2" name="Title 1">
+            <a:extLst>
+              <a:ext uri="{FF2B5EF4-FFF2-40B4-BE49-F238E27FC236}">
                 <a16:creationId xmlns:a16="http://schemas.microsoft.com/office/drawing/2014/main" id="{F24C90D1-80AE-7FEF-B119-0CA0E7E27401}"/>
               </a:ext>
             </a:extLst>
@@ -4411,23 +5320,862 @@
             <p:ph type="title"/>
           </p:nvPr>
         </p:nvSpPr>
-        <p:spPr/>
-        <p:txBody>
-          <a:bodyPr/>
-          <a:lstStyle/>
-          <a:p>
-            <a:r>
-              <a:rPr lang="en-US" dirty="0" err="1"/>
+        <p:spPr>
+          <a:xfrm>
+            <a:off x="703400" y="4702835"/>
+            <a:ext cx="10801350" cy="978772"/>
+          </a:xfrm>
+        </p:spPr>
+        <p:txBody>
+          <a:bodyPr vert="horz" lIns="91440" tIns="45720" rIns="91440" bIns="45720" rtlCol="0" anchor="t">
+            <a:normAutofit/>
+          </a:bodyPr>
+          <a:lstStyle/>
+          <a:p>
+            <a:r>
+              <a:rPr lang="en-US" sz="5400"/>
               <a:t>TradingView</a:t>
             </a:r>
-            <a:endParaRPr lang="en-US" dirty="0"/>
-          </a:p>
-        </p:txBody>
-      </p:sp>
+          </a:p>
+        </p:txBody>
+      </p:sp>
+      <p:pic>
+        <p:nvPicPr>
+          <p:cNvPr id="4" name="Picture 3" descr="A graph on a white background&#10;&#10;AI-generated content may be incorrect.">
+            <a:extLst>
+              <a:ext uri="{FF2B5EF4-FFF2-40B4-BE49-F238E27FC236}">
+                <a16:creationId xmlns:a16="http://schemas.microsoft.com/office/drawing/2014/main" id="{CDC7942F-CB52-3CA3-E212-35C2293C3CA8}"/>
+              </a:ext>
+            </a:extLst>
+          </p:cNvPr>
+          <p:cNvPicPr>
+            <a:picLocks noChangeAspect="1"/>
+          </p:cNvPicPr>
+          <p:nvPr/>
+        </p:nvPicPr>
+        <p:blipFill>
+          <a:blip r:embed="rId3">
+            <a:extLst>
+              <a:ext uri="{28A0092B-C50C-407E-A947-70E740481C1C}">
+                <a14:useLocalDpi xmlns:a14="http://schemas.microsoft.com/office/drawing/2010/main" val="0"/>
+              </a:ext>
+            </a:extLst>
+          </a:blip>
+          <a:srcRect t="1278" r="2" b="23858"/>
+          <a:stretch/>
+        </p:blipFill>
+        <p:spPr>
+          <a:xfrm>
+            <a:off x="800100" y="712915"/>
+            <a:ext cx="10591800" cy="3806202"/>
+          </a:xfrm>
+          <a:prstGeom prst="rect">
+            <a:avLst/>
+          </a:prstGeom>
+        </p:spPr>
+      </p:pic>
+      <p:cxnSp>
+        <p:nvCxnSpPr>
+          <p:cNvPr id="17" name="Straight Connector 16">
+            <a:extLst>
+              <a:ext uri="{FF2B5EF4-FFF2-40B4-BE49-F238E27FC236}">
+                <a16:creationId xmlns:a16="http://schemas.microsoft.com/office/drawing/2014/main" id="{EE2E603F-4A95-4FE8-BB06-211DFD75DBEF}"/>
+              </a:ext>
+              <a:ext uri="{C183D7F6-B498-43B3-948B-1728B52AA6E4}">
+                <adec:decorative xmlns:adec="http://schemas.microsoft.com/office/drawing/2017/decorative" val="1"/>
+              </a:ext>
+            </a:extLst>
+          </p:cNvPr>
+          <p:cNvCxnSpPr>
+            <a:cxnSpLocks noGrp="1" noRot="1" noChangeAspect="1" noMove="1" noResize="1" noEditPoints="1" noAdjustHandles="1" noChangeArrowheads="1" noChangeShapeType="1"/>
+          </p:cNvCxnSpPr>
+          <p:nvPr>
+            <p:extLst>
+              <p:ext uri="{386F3935-93C4-4BCD-93E2-E3B085C9AB24}">
+                <p16:designElem xmlns:p16="http://schemas.microsoft.com/office/powerpoint/2015/main" val="1"/>
+              </p:ext>
+            </p:extLst>
+          </p:nvPr>
+        </p:nvCxnSpPr>
+        <p:spPr>
+          <a:xfrm>
+            <a:off x="800100" y="4539840"/>
+            <a:ext cx="10591800" cy="0"/>
+          </a:xfrm>
+          <a:prstGeom prst="line">
+            <a:avLst/>
+          </a:prstGeom>
+          <a:ln w="44450">
+            <a:solidFill>
+              <a:schemeClr val="tx1"/>
+            </a:solidFill>
+          </a:ln>
+        </p:spPr>
+        <p:style>
+          <a:lnRef idx="1">
+            <a:schemeClr val="accent1"/>
+          </a:lnRef>
+          <a:fillRef idx="0">
+            <a:schemeClr val="accent1"/>
+          </a:fillRef>
+          <a:effectRef idx="0">
+            <a:schemeClr val="accent1"/>
+          </a:effectRef>
+          <a:fontRef idx="minor">
+            <a:schemeClr val="tx1"/>
+          </a:fontRef>
+        </p:style>
+      </p:cxnSp>
     </p:spTree>
     <p:extLst>
       <p:ext uri="{BB962C8B-B14F-4D97-AF65-F5344CB8AC3E}">
         <p14:creationId xmlns:p14="http://schemas.microsoft.com/office/powerpoint/2010/main" val="1950991297"/>
+      </p:ext>
+    </p:extLst>
+  </p:cSld>
+  <p:clrMapOvr>
+    <a:overrideClrMapping bg1="dk1" tx1="lt1" bg2="dk2" tx2="lt2" accent1="accent1" accent2="accent2" accent3="accent3" accent4="accent4" accent5="accent5" accent6="accent6" hlink="hlink" folHlink="folHlink"/>
+  </p:clrMapOvr>
+  <p:timing>
+    <p:tnLst>
+      <p:par>
+        <p:cTn id="1" dur="indefinite" restart="never" nodeType="tmRoot">
+          <p:childTnLst>
+            <p:seq concurrent="1" nextAc="seek">
+              <p:cTn id="2" dur="indefinite" nodeType="mainSeq">
+                <p:childTnLst>
+                  <p:par>
+                    <p:cTn id="3" fill="hold">
+                      <p:stCondLst>
+                        <p:cond delay="indefinite"/>
+                        <p:cond evt="onBegin" delay="0">
+                          <p:tn val="2"/>
+                        </p:cond>
+                      </p:stCondLst>
+                      <p:childTnLst>
+                        <p:par>
+                          <p:cTn id="4" fill="hold">
+                            <p:stCondLst>
+                              <p:cond delay="0"/>
+                            </p:stCondLst>
+                            <p:childTnLst>
+                              <p:par>
+                                <p:cTn id="5" presetID="10" presetClass="entr" presetSubtype="0" fill="hold" grpId="0" nodeType="withEffect">
+                                  <p:stCondLst>
+                                    <p:cond delay="1000"/>
+                                  </p:stCondLst>
+                                  <p:iterate type="lt">
+                                    <p:tmPct val="10000"/>
+                                  </p:iterate>
+                                  <p:childTnLst>
+                                    <p:set>
+                                      <p:cBhvr>
+                                        <p:cTn id="6" dur="1" fill="hold">
+                                          <p:stCondLst>
+                                            <p:cond delay="0"/>
+                                          </p:stCondLst>
+                                        </p:cTn>
+                                        <p:tgtEl>
+                                          <p:spTgt spid="2"/>
+                                        </p:tgtEl>
+                                        <p:attrNameLst>
+                                          <p:attrName>style.visibility</p:attrName>
+                                        </p:attrNameLst>
+                                      </p:cBhvr>
+                                      <p:to>
+                                        <p:strVal val="visible"/>
+                                      </p:to>
+                                    </p:set>
+                                    <p:animEffect transition="in" filter="fade">
+                                      <p:cBhvr>
+                                        <p:cTn id="7" dur="400"/>
+                                        <p:tgtEl>
+                                          <p:spTgt spid="2"/>
+                                        </p:tgtEl>
+                                      </p:cBhvr>
+                                    </p:animEffect>
+                                  </p:childTnLst>
+                                </p:cTn>
+                              </p:par>
+                            </p:childTnLst>
+                          </p:cTn>
+                        </p:par>
+                      </p:childTnLst>
+                    </p:cTn>
+                  </p:par>
+                </p:childTnLst>
+              </p:cTn>
+              <p:prevCondLst>
+                <p:cond evt="onPrev" delay="0">
+                  <p:tgtEl>
+                    <p:sldTgt/>
+                  </p:tgtEl>
+                </p:cond>
+              </p:prevCondLst>
+              <p:nextCondLst>
+                <p:cond evt="onNext" delay="0">
+                  <p:tgtEl>
+                    <p:sldTgt/>
+                  </p:tgtEl>
+                </p:cond>
+              </p:nextCondLst>
+            </p:seq>
+          </p:childTnLst>
+        </p:cTn>
+      </p:par>
+    </p:tnLst>
+    <p:bldLst>
+      <p:bldP spid="2" grpId="0"/>
+    </p:bldLst>
+  </p:timing>
+</p:sld>
+</file>
+
+<file path=ppt/slides/slide6.xml><?xml version="1.0" encoding="utf-8"?>
+<p:sld xmlns:a="http://schemas.openxmlformats.org/drawingml/2006/main" xmlns:r="http://schemas.openxmlformats.org/officeDocument/2006/relationships" xmlns:p="http://schemas.openxmlformats.org/presentationml/2006/main">
+  <p:cSld>
+    <p:spTree>
+      <p:nvGrpSpPr>
+        <p:cNvPr id="1" name=""/>
+        <p:cNvGrpSpPr/>
+        <p:nvPr/>
+      </p:nvGrpSpPr>
+      <p:grpSpPr>
+        <a:xfrm>
+          <a:off x="0" y="0"/>
+          <a:ext cx="0" cy="0"/>
+          <a:chOff x="0" y="0"/>
+          <a:chExt cx="0" cy="0"/>
+        </a:xfrm>
+      </p:grpSpPr>
+      <p:sp>
+        <p:nvSpPr>
+          <p:cNvPr id="2" name="Title 1">
+            <a:extLst>
+              <a:ext uri="{FF2B5EF4-FFF2-40B4-BE49-F238E27FC236}">
+                <a16:creationId xmlns:a16="http://schemas.microsoft.com/office/drawing/2014/main" id="{C72FF78A-9555-ECCF-FAE2-BDF2383C2B34}"/>
+              </a:ext>
+            </a:extLst>
+          </p:cNvPr>
+          <p:cNvSpPr>
+            <a:spLocks noGrp="1"/>
+          </p:cNvSpPr>
+          <p:nvPr>
+            <p:ph type="title"/>
+          </p:nvPr>
+        </p:nvSpPr>
+        <p:spPr/>
+        <p:txBody>
+          <a:bodyPr/>
+          <a:lstStyle/>
+          <a:p>
+            <a:r>
+              <a:rPr lang="en-US" dirty="0"/>
+              <a:t>My project	</a:t>
+            </a:r>
+          </a:p>
+        </p:txBody>
+      </p:sp>
+      <p:pic>
+        <p:nvPicPr>
+          <p:cNvPr id="6" name="Picture Placeholder 5" descr="A screen shot of a computer program&#10;&#10;AI-generated content may be incorrect.">
+            <a:extLst>
+              <a:ext uri="{FF2B5EF4-FFF2-40B4-BE49-F238E27FC236}">
+                <a16:creationId xmlns:a16="http://schemas.microsoft.com/office/drawing/2014/main" id="{A80AD4D7-0FA6-674F-3399-3158B9892361}"/>
+              </a:ext>
+            </a:extLst>
+          </p:cNvPr>
+          <p:cNvPicPr>
+            <a:picLocks noGrp="1" noChangeAspect="1"/>
+          </p:cNvPicPr>
+          <p:nvPr>
+            <p:ph type="pic" idx="1"/>
+          </p:nvPr>
+        </p:nvPicPr>
+        <p:blipFill>
+          <a:blip r:embed="rId2">
+            <a:extLst>
+              <a:ext uri="{28A0092B-C50C-407E-A947-70E740481C1C}">
+                <a14:useLocalDpi xmlns:a14="http://schemas.microsoft.com/office/drawing/2010/main" val="0"/>
+              </a:ext>
+            </a:extLst>
+          </a:blip>
+          <a:srcRect l="6550" r="6550"/>
+          <a:stretch>
+            <a:fillRect/>
+          </a:stretch>
+        </p:blipFill>
+        <p:spPr/>
+      </p:pic>
+      <p:sp>
+        <p:nvSpPr>
+          <p:cNvPr id="4" name="Text Placeholder 3">
+            <a:extLst>
+              <a:ext uri="{FF2B5EF4-FFF2-40B4-BE49-F238E27FC236}">
+                <a16:creationId xmlns:a16="http://schemas.microsoft.com/office/drawing/2014/main" id="{D71D6E45-3679-3E5A-80F1-42B6283E6AB0}"/>
+              </a:ext>
+            </a:extLst>
+          </p:cNvPr>
+          <p:cNvSpPr>
+            <a:spLocks noGrp="1"/>
+          </p:cNvSpPr>
+          <p:nvPr>
+            <p:ph type="body" sz="half" idx="2"/>
+          </p:nvPr>
+        </p:nvSpPr>
+        <p:spPr/>
+        <p:txBody>
+          <a:bodyPr/>
+          <a:lstStyle/>
+          <a:p>
+            <a:pPr marL="285750" indent="-285750">
+              <a:buFont typeface="Arial" panose="020B0604020202020204" pitchFamily="34" charset="0"/>
+              <a:buChar char="•"/>
+            </a:pPr>
+            <a:r>
+              <a:rPr lang="en-US" dirty="0"/>
+              <a:t>Used publicly available PGA Tour dataset (.csv), to create a dynamic chart showing the Top 50 highest earning players from 2001-2024.</a:t>
+            </a:r>
+          </a:p>
+          <a:p>
+            <a:pPr marL="285750" indent="-285750">
+              <a:buFont typeface="Arial" panose="020B0604020202020204" pitchFamily="34" charset="0"/>
+              <a:buChar char="•"/>
+            </a:pPr>
+            <a:r>
+              <a:rPr lang="en-US" dirty="0"/>
+              <a:t>Used </a:t>
+            </a:r>
+            <a:r>
+              <a:rPr lang="en-US" dirty="0" err="1"/>
+              <a:t>Papa.parse</a:t>
+            </a:r>
+            <a:r>
+              <a:rPr lang="en-US" dirty="0"/>
+              <a:t>() to load and read the data as a csv file, then stored as an array.</a:t>
+            </a:r>
+          </a:p>
+          <a:p>
+            <a:pPr marL="285750" indent="-285750">
+              <a:buFont typeface="Arial" panose="020B0604020202020204" pitchFamily="34" charset="0"/>
+              <a:buChar char="•"/>
+            </a:pPr>
+            <a:r>
+              <a:rPr lang="en-US" dirty="0"/>
+              <a:t>Sorted to the top 50 highest earning players</a:t>
+            </a:r>
+          </a:p>
+          <a:p>
+            <a:pPr marL="285750" indent="-285750">
+              <a:buFont typeface="Arial" panose="020B0604020202020204" pitchFamily="34" charset="0"/>
+              <a:buChar char="•"/>
+            </a:pPr>
+            <a:r>
+              <a:rPr lang="en-US" dirty="0"/>
+              <a:t>Created dropdown including each top 50 player</a:t>
+            </a:r>
+          </a:p>
+        </p:txBody>
+      </p:sp>
+    </p:spTree>
+    <p:extLst>
+      <p:ext uri="{BB962C8B-B14F-4D97-AF65-F5344CB8AC3E}">
+        <p14:creationId xmlns:p14="http://schemas.microsoft.com/office/powerpoint/2010/main" val="1320123132"/>
+      </p:ext>
+    </p:extLst>
+  </p:cSld>
+  <p:clrMapOvr>
+    <a:masterClrMapping/>
+  </p:clrMapOvr>
+</p:sld>
+</file>
+
+<file path=ppt/slides/slide7.xml><?xml version="1.0" encoding="utf-8"?>
+<p:sld xmlns:a="http://schemas.openxmlformats.org/drawingml/2006/main" xmlns:r="http://schemas.openxmlformats.org/officeDocument/2006/relationships" xmlns:p="http://schemas.openxmlformats.org/presentationml/2006/main">
+  <p:cSld>
+    <p:spTree>
+      <p:nvGrpSpPr>
+        <p:cNvPr id="1" name=""/>
+        <p:cNvGrpSpPr/>
+        <p:nvPr/>
+      </p:nvGrpSpPr>
+      <p:grpSpPr>
+        <a:xfrm>
+          <a:off x="0" y="0"/>
+          <a:ext cx="0" cy="0"/>
+          <a:chOff x="0" y="0"/>
+          <a:chExt cx="0" cy="0"/>
+        </a:xfrm>
+      </p:grpSpPr>
+      <p:sp>
+        <p:nvSpPr>
+          <p:cNvPr id="2" name="Title 1">
+            <a:extLst>
+              <a:ext uri="{FF2B5EF4-FFF2-40B4-BE49-F238E27FC236}">
+                <a16:creationId xmlns:a16="http://schemas.microsoft.com/office/drawing/2014/main" id="{26C0B957-0EB0-B3A8-0810-BD71417F2F95}"/>
+              </a:ext>
+            </a:extLst>
+          </p:cNvPr>
+          <p:cNvSpPr>
+            <a:spLocks noGrp="1"/>
+          </p:cNvSpPr>
+          <p:nvPr>
+            <p:ph type="title"/>
+          </p:nvPr>
+        </p:nvSpPr>
+        <p:spPr/>
+        <p:txBody>
+          <a:bodyPr/>
+          <a:lstStyle/>
+          <a:p>
+            <a:r>
+              <a:rPr lang="en-US" dirty="0"/>
+              <a:t>My Project	</a:t>
+            </a:r>
+          </a:p>
+        </p:txBody>
+      </p:sp>
+      <p:sp>
+        <p:nvSpPr>
+          <p:cNvPr id="4" name="Text Placeholder 3">
+            <a:extLst>
+              <a:ext uri="{FF2B5EF4-FFF2-40B4-BE49-F238E27FC236}">
+                <a16:creationId xmlns:a16="http://schemas.microsoft.com/office/drawing/2014/main" id="{C8601245-7E4A-B45C-3EFA-71C6D62D2CE8}"/>
+              </a:ext>
+            </a:extLst>
+          </p:cNvPr>
+          <p:cNvSpPr>
+            <a:spLocks noGrp="1"/>
+          </p:cNvSpPr>
+          <p:nvPr>
+            <p:ph type="body" sz="half" idx="2"/>
+          </p:nvPr>
+        </p:nvSpPr>
+        <p:spPr>
+          <a:xfrm>
+            <a:off x="704088" y="2552700"/>
+            <a:ext cx="5000521" cy="3316288"/>
+          </a:xfrm>
+        </p:spPr>
+        <p:txBody>
+          <a:bodyPr>
+            <a:normAutofit/>
+          </a:bodyPr>
+          <a:lstStyle/>
+          <a:p>
+            <a:pPr marL="285750" indent="-285750">
+              <a:buFont typeface="Arial" panose="020B0604020202020204" pitchFamily="34" charset="0"/>
+              <a:buChar char="•"/>
+            </a:pPr>
+            <a:r>
+              <a:rPr lang="en-US" sz="2800" dirty="0"/>
+              <a:t>Created new line chart with sorted data</a:t>
+            </a:r>
+          </a:p>
+          <a:p>
+            <a:pPr marL="742950" lvl="1" indent="-285750">
+              <a:buFont typeface="Arial" panose="020B0604020202020204" pitchFamily="34" charset="0"/>
+              <a:buChar char="•"/>
+            </a:pPr>
+            <a:r>
+              <a:rPr lang="en-US" sz="2600" u="sng" dirty="0"/>
+              <a:t>new Chart(context, config)</a:t>
+            </a:r>
+          </a:p>
+          <a:p>
+            <a:pPr marL="742950" lvl="1" indent="-285750">
+              <a:buFont typeface="Arial" panose="020B0604020202020204" pitchFamily="34" charset="0"/>
+              <a:buChar char="•"/>
+            </a:pPr>
+            <a:r>
+              <a:rPr lang="en-US" sz="2800" dirty="0"/>
+              <a:t>X-axis: Seasons (years)</a:t>
+            </a:r>
+          </a:p>
+          <a:p>
+            <a:pPr marL="742950" lvl="1" indent="-285750">
+              <a:buFont typeface="Arial" panose="020B0604020202020204" pitchFamily="34" charset="0"/>
+              <a:buChar char="•"/>
+            </a:pPr>
+            <a:r>
+              <a:rPr lang="en-US" sz="2800" dirty="0"/>
+              <a:t>Y-axis: Earnings in dollars</a:t>
+            </a:r>
+          </a:p>
+          <a:p>
+            <a:pPr marL="285750" indent="-285750">
+              <a:buFont typeface="Arial" panose="020B0604020202020204" pitchFamily="34" charset="0"/>
+              <a:buChar char="•"/>
+            </a:pPr>
+            <a:endParaRPr lang="en-US" sz="2800" dirty="0"/>
+          </a:p>
+          <a:p>
+            <a:pPr marL="742950" lvl="1" indent="-285750">
+              <a:buFont typeface="Arial" panose="020B0604020202020204" pitchFamily="34" charset="0"/>
+              <a:buChar char="•"/>
+            </a:pPr>
+            <a:endParaRPr lang="en-US" dirty="0"/>
+          </a:p>
+        </p:txBody>
+      </p:sp>
+      <p:pic>
+        <p:nvPicPr>
+          <p:cNvPr id="6" name="Picture 5">
+            <a:extLst>
+              <a:ext uri="{FF2B5EF4-FFF2-40B4-BE49-F238E27FC236}">
+                <a16:creationId xmlns:a16="http://schemas.microsoft.com/office/drawing/2014/main" id="{52CC49D0-4347-9B50-A3D6-31E9130BE5BD}"/>
+              </a:ext>
+            </a:extLst>
+          </p:cNvPr>
+          <p:cNvPicPr>
+            <a:picLocks noChangeAspect="1"/>
+          </p:cNvPicPr>
+          <p:nvPr/>
+        </p:nvPicPr>
+        <p:blipFill>
+          <a:blip r:embed="rId2"/>
+          <a:stretch>
+            <a:fillRect/>
+          </a:stretch>
+        </p:blipFill>
+        <p:spPr>
+          <a:xfrm>
+            <a:off x="6381535" y="962890"/>
+            <a:ext cx="4635078" cy="4883727"/>
+          </a:xfrm>
+          <a:prstGeom prst="rect">
+            <a:avLst/>
+          </a:prstGeom>
+        </p:spPr>
+      </p:pic>
+    </p:spTree>
+    <p:extLst>
+      <p:ext uri="{BB962C8B-B14F-4D97-AF65-F5344CB8AC3E}">
+        <p14:creationId xmlns:p14="http://schemas.microsoft.com/office/powerpoint/2010/main" val="1605154389"/>
+      </p:ext>
+    </p:extLst>
+  </p:cSld>
+  <p:clrMapOvr>
+    <a:masterClrMapping/>
+  </p:clrMapOvr>
+</p:sld>
+</file>
+
+<file path=ppt/slides/slide8.xml><?xml version="1.0" encoding="utf-8"?>
+<p:sld xmlns:a="http://schemas.openxmlformats.org/drawingml/2006/main" xmlns:r="http://schemas.openxmlformats.org/officeDocument/2006/relationships" xmlns:p="http://schemas.openxmlformats.org/presentationml/2006/main">
+  <p:cSld>
+    <p:spTree>
+      <p:nvGrpSpPr>
+        <p:cNvPr id="1" name=""/>
+        <p:cNvGrpSpPr/>
+        <p:nvPr/>
+      </p:nvGrpSpPr>
+      <p:grpSpPr>
+        <a:xfrm>
+          <a:off x="0" y="0"/>
+          <a:ext cx="0" cy="0"/>
+          <a:chOff x="0" y="0"/>
+          <a:chExt cx="0" cy="0"/>
+        </a:xfrm>
+      </p:grpSpPr>
+      <p:sp>
+        <p:nvSpPr>
+          <p:cNvPr id="2" name="Title 1">
+            <a:extLst>
+              <a:ext uri="{FF2B5EF4-FFF2-40B4-BE49-F238E27FC236}">
+                <a16:creationId xmlns:a16="http://schemas.microsoft.com/office/drawing/2014/main" id="{B96F456C-6715-FEB8-78F4-CC57E1FD9701}"/>
+              </a:ext>
+            </a:extLst>
+          </p:cNvPr>
+          <p:cNvSpPr>
+            <a:spLocks noGrp="1"/>
+          </p:cNvSpPr>
+          <p:nvPr>
+            <p:ph type="title"/>
+          </p:nvPr>
+        </p:nvSpPr>
+        <p:spPr/>
+        <p:txBody>
+          <a:bodyPr/>
+          <a:lstStyle/>
+          <a:p>
+            <a:r>
+              <a:rPr lang="en-US" dirty="0"/>
+              <a:t>My project</a:t>
+            </a:r>
+          </a:p>
+        </p:txBody>
+      </p:sp>
+      <p:sp>
+        <p:nvSpPr>
+          <p:cNvPr id="4" name="Text Placeholder 3">
+            <a:extLst>
+              <a:ext uri="{FF2B5EF4-FFF2-40B4-BE49-F238E27FC236}">
+                <a16:creationId xmlns:a16="http://schemas.microsoft.com/office/drawing/2014/main" id="{8ECC2E3C-DE0D-5BB2-0C5A-2C055A5788B6}"/>
+              </a:ext>
+            </a:extLst>
+          </p:cNvPr>
+          <p:cNvSpPr>
+            <a:spLocks noGrp="1"/>
+          </p:cNvSpPr>
+          <p:nvPr>
+            <p:ph type="body" sz="half" idx="2"/>
+          </p:nvPr>
+        </p:nvSpPr>
+        <p:spPr/>
+        <p:txBody>
+          <a:bodyPr/>
+          <a:lstStyle/>
+          <a:p>
+            <a:pPr marL="285750" indent="-285750">
+              <a:buFont typeface="Arial" panose="020B0604020202020204" pitchFamily="34" charset="0"/>
+              <a:buChar char="•"/>
+            </a:pPr>
+            <a:r>
+              <a:rPr lang="en-US" sz="2400" dirty="0"/>
+              <a:t>Customized Axis</a:t>
+            </a:r>
+          </a:p>
+          <a:p>
+            <a:pPr marL="742950" lvl="1" indent="-285750">
+              <a:buFont typeface="Arial" panose="020B0604020202020204" pitchFamily="34" charset="0"/>
+              <a:buChar char="•"/>
+            </a:pPr>
+            <a:r>
+              <a:rPr lang="en-US" sz="2400" dirty="0"/>
+              <a:t>Titles</a:t>
+            </a:r>
+          </a:p>
+          <a:p>
+            <a:pPr marL="742950" lvl="1" indent="-285750">
+              <a:buFont typeface="Arial" panose="020B0604020202020204" pitchFamily="34" charset="0"/>
+              <a:buChar char="•"/>
+            </a:pPr>
+            <a:r>
+              <a:rPr lang="en-US" sz="2400" dirty="0"/>
+              <a:t>Values</a:t>
+            </a:r>
+          </a:p>
+          <a:p>
+            <a:pPr marL="742950" lvl="1" indent="-285750">
+              <a:buFont typeface="Arial" panose="020B0604020202020204" pitchFamily="34" charset="0"/>
+              <a:buChar char="•"/>
+            </a:pPr>
+            <a:r>
+              <a:rPr lang="en-US" sz="2400" dirty="0"/>
+              <a:t>Grid Lines</a:t>
+            </a:r>
+          </a:p>
+          <a:p>
+            <a:pPr marL="742950" lvl="1" indent="-285750">
+              <a:buFont typeface="Arial" panose="020B0604020202020204" pitchFamily="34" charset="0"/>
+              <a:buChar char="•"/>
+            </a:pPr>
+            <a:r>
+              <a:rPr lang="en-US" sz="2400" dirty="0"/>
+              <a:t>Tick Marks</a:t>
+            </a:r>
+          </a:p>
+          <a:p>
+            <a:pPr marL="742950" lvl="1" indent="-285750">
+              <a:buFont typeface="Arial" panose="020B0604020202020204" pitchFamily="34" charset="0"/>
+              <a:buChar char="•"/>
+            </a:pPr>
+            <a:r>
+              <a:rPr lang="en-US" sz="2400" dirty="0"/>
+              <a:t>Data Points</a:t>
+            </a:r>
+          </a:p>
+          <a:p>
+            <a:pPr marL="742950" lvl="1" indent="-285750">
+              <a:buFont typeface="Arial" panose="020B0604020202020204" pitchFamily="34" charset="0"/>
+              <a:buChar char="•"/>
+            </a:pPr>
+            <a:endParaRPr lang="en-US" dirty="0"/>
+          </a:p>
+        </p:txBody>
+      </p:sp>
+      <p:pic>
+        <p:nvPicPr>
+          <p:cNvPr id="8" name="Picture 7">
+            <a:extLst>
+              <a:ext uri="{FF2B5EF4-FFF2-40B4-BE49-F238E27FC236}">
+                <a16:creationId xmlns:a16="http://schemas.microsoft.com/office/drawing/2014/main" id="{CCB02142-D81B-5F4C-F33E-D1B8CE7110B9}"/>
+              </a:ext>
+            </a:extLst>
+          </p:cNvPr>
+          <p:cNvPicPr>
+            <a:picLocks noChangeAspect="1"/>
+          </p:cNvPicPr>
+          <p:nvPr/>
+        </p:nvPicPr>
+        <p:blipFill>
+          <a:blip r:embed="rId2"/>
+          <a:stretch>
+            <a:fillRect/>
+          </a:stretch>
+        </p:blipFill>
+        <p:spPr>
+          <a:xfrm>
+            <a:off x="6096000" y="937849"/>
+            <a:ext cx="4597542" cy="4982301"/>
+          </a:xfrm>
+          <a:prstGeom prst="rect">
+            <a:avLst/>
+          </a:prstGeom>
+        </p:spPr>
+      </p:pic>
+    </p:spTree>
+    <p:extLst>
+      <p:ext uri="{BB962C8B-B14F-4D97-AF65-F5344CB8AC3E}">
+        <p14:creationId xmlns:p14="http://schemas.microsoft.com/office/powerpoint/2010/main" val="3776236987"/>
+      </p:ext>
+    </p:extLst>
+  </p:cSld>
+  <p:clrMapOvr>
+    <a:masterClrMapping/>
+  </p:clrMapOvr>
+</p:sld>
+</file>
+
+<file path=ppt/slides/slide9.xml><?xml version="1.0" encoding="utf-8"?>
+<p:sld xmlns:a="http://schemas.openxmlformats.org/drawingml/2006/main" xmlns:r="http://schemas.openxmlformats.org/officeDocument/2006/relationships" xmlns:p="http://schemas.openxmlformats.org/presentationml/2006/main">
+  <p:cSld>
+    <p:spTree>
+      <p:nvGrpSpPr>
+        <p:cNvPr id="1" name=""/>
+        <p:cNvGrpSpPr/>
+        <p:nvPr/>
+      </p:nvGrpSpPr>
+      <p:grpSpPr>
+        <a:xfrm>
+          <a:off x="0" y="0"/>
+          <a:ext cx="0" cy="0"/>
+          <a:chOff x="0" y="0"/>
+          <a:chExt cx="0" cy="0"/>
+        </a:xfrm>
+      </p:grpSpPr>
+      <p:sp>
+        <p:nvSpPr>
+          <p:cNvPr id="2" name="Title 1">
+            <a:extLst>
+              <a:ext uri="{FF2B5EF4-FFF2-40B4-BE49-F238E27FC236}">
+                <a16:creationId xmlns:a16="http://schemas.microsoft.com/office/drawing/2014/main" id="{D7688CFC-F9D2-37E4-956E-8595E3511332}"/>
+              </a:ext>
+            </a:extLst>
+          </p:cNvPr>
+          <p:cNvSpPr>
+            <a:spLocks noGrp="1"/>
+          </p:cNvSpPr>
+          <p:nvPr>
+            <p:ph type="title"/>
+          </p:nvPr>
+        </p:nvSpPr>
+        <p:spPr/>
+        <p:txBody>
+          <a:bodyPr/>
+          <a:lstStyle/>
+          <a:p>
+            <a:r>
+              <a:rPr lang="en-US" dirty="0"/>
+              <a:t>My project</a:t>
+            </a:r>
+          </a:p>
+        </p:txBody>
+      </p:sp>
+      <p:sp>
+        <p:nvSpPr>
+          <p:cNvPr id="4" name="Text Placeholder 3">
+            <a:extLst>
+              <a:ext uri="{FF2B5EF4-FFF2-40B4-BE49-F238E27FC236}">
+                <a16:creationId xmlns:a16="http://schemas.microsoft.com/office/drawing/2014/main" id="{911DB2A1-90FA-1EEA-8264-74A07BC4E31C}"/>
+              </a:ext>
+            </a:extLst>
+          </p:cNvPr>
+          <p:cNvSpPr>
+            <a:spLocks noGrp="1"/>
+          </p:cNvSpPr>
+          <p:nvPr>
+            <p:ph type="body" sz="half" idx="2"/>
+          </p:nvPr>
+        </p:nvSpPr>
+        <p:spPr>
+          <a:xfrm>
+            <a:off x="704088" y="2552700"/>
+            <a:ext cx="2984685" cy="3316288"/>
+          </a:xfrm>
+        </p:spPr>
+        <p:txBody>
+          <a:bodyPr>
+            <a:normAutofit fontScale="92500" lnSpcReduction="20000"/>
+          </a:bodyPr>
+          <a:lstStyle/>
+          <a:p>
+            <a:pPr marL="285750" indent="-285750">
+              <a:buFont typeface="Arial" panose="020B0604020202020204" pitchFamily="34" charset="0"/>
+              <a:buChar char="•"/>
+            </a:pPr>
+            <a:r>
+              <a:rPr lang="en-US" sz="2000" dirty="0"/>
+              <a:t>After sorting, created a random player selection from the top 50 on load</a:t>
+            </a:r>
+          </a:p>
+          <a:p>
+            <a:pPr marL="285750" indent="-285750">
+              <a:buFont typeface="Arial" panose="020B0604020202020204" pitchFamily="34" charset="0"/>
+              <a:buChar char="•"/>
+            </a:pPr>
+            <a:r>
+              <a:rPr lang="en-US" sz="2000" dirty="0"/>
+              <a:t>Used an event listener on change to create a new chart when a new player is selected from the dropdown menu</a:t>
+            </a:r>
+          </a:p>
+          <a:p>
+            <a:pPr marL="285750" indent="-285750">
+              <a:buFont typeface="Arial" panose="020B0604020202020204" pitchFamily="34" charset="0"/>
+              <a:buChar char="•"/>
+            </a:pPr>
+            <a:r>
+              <a:rPr lang="en-US" sz="2000" dirty="0"/>
+              <a:t>CSS styles using PGA Tour color scheme with a modern dark theme.</a:t>
+            </a:r>
+          </a:p>
+        </p:txBody>
+      </p:sp>
+      <p:pic>
+        <p:nvPicPr>
+          <p:cNvPr id="6" name="Picture 5">
+            <a:extLst>
+              <a:ext uri="{FF2B5EF4-FFF2-40B4-BE49-F238E27FC236}">
+                <a16:creationId xmlns:a16="http://schemas.microsoft.com/office/drawing/2014/main" id="{3568C0A5-A91C-10E0-22BD-B7A98F86CF47}"/>
+              </a:ext>
+            </a:extLst>
+          </p:cNvPr>
+          <p:cNvPicPr>
+            <a:picLocks noChangeAspect="1"/>
+          </p:cNvPicPr>
+          <p:nvPr/>
+        </p:nvPicPr>
+        <p:blipFill>
+          <a:blip r:embed="rId2"/>
+          <a:stretch>
+            <a:fillRect/>
+          </a:stretch>
+        </p:blipFill>
+        <p:spPr>
+          <a:xfrm>
+            <a:off x="4229098" y="871394"/>
+            <a:ext cx="7172217" cy="5115211"/>
+          </a:xfrm>
+          <a:prstGeom prst="rect">
+            <a:avLst/>
+          </a:prstGeom>
+        </p:spPr>
+      </p:pic>
+    </p:spTree>
+    <p:extLst>
+      <p:ext uri="{BB962C8B-B14F-4D97-AF65-F5344CB8AC3E}">
+        <p14:creationId xmlns:p14="http://schemas.microsoft.com/office/powerpoint/2010/main" val="1737589639"/>
       </p:ext>
     </p:extLst>
   </p:cSld>
